--- a/doc/estrutura.pptx
+++ b/doc/estrutura.pptx
@@ -6,7 +6,6 @@
   </p:sldMasterIdLst>
   <p:sldIdLst>
     <p:sldId id="259" r:id="rId2"/>
-    <p:sldId id="258" r:id="rId3"/>
   </p:sldIdLst>
   <p:sldSz cx="12192000" cy="6858000"/>
   <p:notesSz cx="6858000" cy="9144000"/>
@@ -260,7 +259,7 @@
           <a:p>
             <a:fld id="{374776FB-0EF4-4B37-BDE5-59431B157ACE}" type="datetimeFigureOut">
               <a:rPr lang="pt-BR" smtClean="0"/>
-              <a:t>06/03/2024</a:t>
+              <a:t>18/03/2024</a:t>
             </a:fld>
             <a:endParaRPr lang="pt-BR"/>
           </a:p>
@@ -458,7 +457,7 @@
           <a:p>
             <a:fld id="{374776FB-0EF4-4B37-BDE5-59431B157ACE}" type="datetimeFigureOut">
               <a:rPr lang="pt-BR" smtClean="0"/>
-              <a:t>06/03/2024</a:t>
+              <a:t>18/03/2024</a:t>
             </a:fld>
             <a:endParaRPr lang="pt-BR"/>
           </a:p>
@@ -666,7 +665,7 @@
           <a:p>
             <a:fld id="{374776FB-0EF4-4B37-BDE5-59431B157ACE}" type="datetimeFigureOut">
               <a:rPr lang="pt-BR" smtClean="0"/>
-              <a:t>06/03/2024</a:t>
+              <a:t>18/03/2024</a:t>
             </a:fld>
             <a:endParaRPr lang="pt-BR"/>
           </a:p>
@@ -864,7 +863,7 @@
           <a:p>
             <a:fld id="{374776FB-0EF4-4B37-BDE5-59431B157ACE}" type="datetimeFigureOut">
               <a:rPr lang="pt-BR" smtClean="0"/>
-              <a:t>06/03/2024</a:t>
+              <a:t>18/03/2024</a:t>
             </a:fld>
             <a:endParaRPr lang="pt-BR"/>
           </a:p>
@@ -1139,7 +1138,7 @@
           <a:p>
             <a:fld id="{374776FB-0EF4-4B37-BDE5-59431B157ACE}" type="datetimeFigureOut">
               <a:rPr lang="pt-BR" smtClean="0"/>
-              <a:t>06/03/2024</a:t>
+              <a:t>18/03/2024</a:t>
             </a:fld>
             <a:endParaRPr lang="pt-BR"/>
           </a:p>
@@ -1404,7 +1403,7 @@
           <a:p>
             <a:fld id="{374776FB-0EF4-4B37-BDE5-59431B157ACE}" type="datetimeFigureOut">
               <a:rPr lang="pt-BR" smtClean="0"/>
-              <a:t>06/03/2024</a:t>
+              <a:t>18/03/2024</a:t>
             </a:fld>
             <a:endParaRPr lang="pt-BR"/>
           </a:p>
@@ -1816,7 +1815,7 @@
           <a:p>
             <a:fld id="{374776FB-0EF4-4B37-BDE5-59431B157ACE}" type="datetimeFigureOut">
               <a:rPr lang="pt-BR" smtClean="0"/>
-              <a:t>06/03/2024</a:t>
+              <a:t>18/03/2024</a:t>
             </a:fld>
             <a:endParaRPr lang="pt-BR"/>
           </a:p>
@@ -1957,7 +1956,7 @@
           <a:p>
             <a:fld id="{374776FB-0EF4-4B37-BDE5-59431B157ACE}" type="datetimeFigureOut">
               <a:rPr lang="pt-BR" smtClean="0"/>
-              <a:t>06/03/2024</a:t>
+              <a:t>18/03/2024</a:t>
             </a:fld>
             <a:endParaRPr lang="pt-BR"/>
           </a:p>
@@ -2070,7 +2069,7 @@
           <a:p>
             <a:fld id="{374776FB-0EF4-4B37-BDE5-59431B157ACE}" type="datetimeFigureOut">
               <a:rPr lang="pt-BR" smtClean="0"/>
-              <a:t>06/03/2024</a:t>
+              <a:t>18/03/2024</a:t>
             </a:fld>
             <a:endParaRPr lang="pt-BR"/>
           </a:p>
@@ -2381,7 +2380,7 @@
           <a:p>
             <a:fld id="{374776FB-0EF4-4B37-BDE5-59431B157ACE}" type="datetimeFigureOut">
               <a:rPr lang="pt-BR" smtClean="0"/>
-              <a:t>06/03/2024</a:t>
+              <a:t>18/03/2024</a:t>
             </a:fld>
             <a:endParaRPr lang="pt-BR"/>
           </a:p>
@@ -2669,7 +2668,7 @@
           <a:p>
             <a:fld id="{374776FB-0EF4-4B37-BDE5-59431B157ACE}" type="datetimeFigureOut">
               <a:rPr lang="pt-BR" smtClean="0"/>
-              <a:t>06/03/2024</a:t>
+              <a:t>18/03/2024</a:t>
             </a:fld>
             <a:endParaRPr lang="pt-BR"/>
           </a:p>
@@ -2910,7 +2909,7 @@
           <a:p>
             <a:fld id="{374776FB-0EF4-4B37-BDE5-59431B157ACE}" type="datetimeFigureOut">
               <a:rPr lang="pt-BR" smtClean="0"/>
-              <a:t>06/03/2024</a:t>
+              <a:t>18/03/2024</a:t>
             </a:fld>
             <a:endParaRPr lang="pt-BR"/>
           </a:p>
@@ -4717,8 +4716,8 @@
         </p:nvSpPr>
         <p:spPr>
           <a:xfrm>
-            <a:off x="9463948" y="4881748"/>
-            <a:ext cx="2218821" cy="400110"/>
+            <a:off x="10308319" y="4504077"/>
+            <a:ext cx="2218821" cy="276999"/>
           </a:xfrm>
           <a:prstGeom prst="rect">
             <a:avLst/>
@@ -4732,7 +4731,7 @@
           <a:lstStyle/>
           <a:p>
             <a:r>
-              <a:rPr lang="pt-BR" sz="2000" dirty="0">
+              <a:rPr lang="pt-BR" sz="1200" dirty="0">
                 <a:solidFill>
                   <a:schemeClr val="bg1"/>
                 </a:solidFill>
@@ -4740,7 +4739,7 @@
               </a:rPr>
               <a:t>artigo1.html</a:t>
             </a:r>
-            <a:endParaRPr lang="pt-BR" sz="2000" dirty="0">
+            <a:endParaRPr lang="pt-BR" sz="1200" dirty="0">
               <a:solidFill>
                 <a:schemeClr val="bg1"/>
               </a:solidFill>
@@ -4764,8 +4763,8 @@
         </p:nvCxnSpPr>
         <p:spPr>
           <a:xfrm flipH="1">
-            <a:off x="8888819" y="5041260"/>
-            <a:ext cx="526393" cy="0"/>
+            <a:off x="10027965" y="4637085"/>
+            <a:ext cx="231618" cy="23872"/>
           </a:xfrm>
           <a:prstGeom prst="line">
             <a:avLst/>
@@ -4879,50 +4878,12 @@
           </a:p>
         </p:txBody>
       </p:sp>
-    </p:spTree>
-    <p:extLst>
-      <p:ext uri="{BB962C8B-B14F-4D97-AF65-F5344CB8AC3E}">
-        <p14:creationId xmlns:p14="http://schemas.microsoft.com/office/powerpoint/2010/main" val="2627768452"/>
-      </p:ext>
-    </p:extLst>
-  </p:cSld>
-  <p:clrMapOvr>
-    <a:masterClrMapping/>
-  </p:clrMapOvr>
-</p:sld>
-</file>
-
-<file path=ppt/slides/slide2.xml><?xml version="1.0" encoding="utf-8"?>
-<p:sld xmlns:a="http://schemas.openxmlformats.org/drawingml/2006/main" xmlns:r="http://schemas.openxmlformats.org/officeDocument/2006/relationships" xmlns:p="http://schemas.openxmlformats.org/presentationml/2006/main">
-  <p:cSld>
-    <p:bg>
-      <p:bgPr>
-        <a:solidFill>
-          <a:schemeClr val="tx1"/>
-        </a:solidFill>
-        <a:effectLst/>
-      </p:bgPr>
-    </p:bg>
-    <p:spTree>
-      <p:nvGrpSpPr>
-        <p:cNvPr id="1" name=""/>
-        <p:cNvGrpSpPr/>
-        <p:nvPr/>
-      </p:nvGrpSpPr>
-      <p:grpSpPr>
-        <a:xfrm>
-          <a:off x="0" y="0"/>
-          <a:ext cx="0" cy="0"/>
-          <a:chOff x="0" y="0"/>
-          <a:chExt cx="0" cy="0"/>
-        </a:xfrm>
-      </p:grpSpPr>
       <p:pic>
         <p:nvPicPr>
-          <p:cNvPr id="5" name="Imagem 4" descr="Ícone&#10;&#10;Descrição gerada automaticamente">
-            <a:extLst>
-              <a:ext uri="{FF2B5EF4-FFF2-40B4-BE49-F238E27FC236}">
-                <a16:creationId xmlns:a16="http://schemas.microsoft.com/office/drawing/2014/main" id="{E7E56165-CCC4-BED3-534A-215C33C9E2D4}"/>
+          <p:cNvPr id="10" name="Imagem 9" descr="Ícone&#10;&#10;Descrição gerada automaticamente">
+            <a:extLst>
+              <a:ext uri="{FF2B5EF4-FFF2-40B4-BE49-F238E27FC236}">
+                <a16:creationId xmlns:a16="http://schemas.microsoft.com/office/drawing/2014/main" id="{66998AAB-DFD5-85F1-612D-A9D077E0F49B}"/>
               </a:ext>
             </a:extLst>
           </p:cNvPr>
@@ -4945,7 +4906,7 @@
         </p:blipFill>
         <p:spPr>
           <a:xfrm>
-            <a:off x="4861560" y="3575842"/>
+            <a:off x="4861560" y="2454258"/>
             <a:ext cx="812698" cy="812698"/>
           </a:xfrm>
           <a:prstGeom prst="rect">
@@ -4955,10 +4916,10 @@
       </p:pic>
       <p:sp>
         <p:nvSpPr>
-          <p:cNvPr id="6" name="CaixaDeTexto 5">
-            <a:extLst>
-              <a:ext uri="{FF2B5EF4-FFF2-40B4-BE49-F238E27FC236}">
-                <a16:creationId xmlns:a16="http://schemas.microsoft.com/office/drawing/2014/main" id="{FC071397-927A-7694-CB2E-1512906E50D6}"/>
+          <p:cNvPr id="12" name="CaixaDeTexto 11">
+            <a:extLst>
+              <a:ext uri="{FF2B5EF4-FFF2-40B4-BE49-F238E27FC236}">
+                <a16:creationId xmlns:a16="http://schemas.microsoft.com/office/drawing/2014/main" id="{0D4F1F1B-AC3C-5ADF-89F6-376B05F43C61}"/>
               </a:ext>
             </a:extLst>
           </p:cNvPr>
@@ -4967,8 +4928,8 @@
         </p:nvSpPr>
         <p:spPr>
           <a:xfrm>
-            <a:off x="7209181" y="551613"/>
-            <a:ext cx="4366260" cy="830997"/>
+            <a:off x="5674257" y="2598997"/>
+            <a:ext cx="2340375" cy="400110"/>
           </a:xfrm>
           <a:prstGeom prst="rect">
             <a:avLst/>
@@ -4982,679 +4943,22 @@
           <a:lstStyle/>
           <a:p>
             <a:r>
-              <a:rPr lang="pt-BR" sz="4800" dirty="0">
-                <a:solidFill>
-                  <a:schemeClr val="bg1"/>
-                </a:solidFill>
-              </a:rPr>
-              <a:t>Robótica Prática</a:t>
-            </a:r>
-          </a:p>
-        </p:txBody>
-      </p:sp>
-      <p:sp>
-        <p:nvSpPr>
-          <p:cNvPr id="7" name="CaixaDeTexto 6">
-            <a:extLst>
-              <a:ext uri="{FF2B5EF4-FFF2-40B4-BE49-F238E27FC236}">
-                <a16:creationId xmlns:a16="http://schemas.microsoft.com/office/drawing/2014/main" id="{346F7D2B-B4FC-E626-720E-D9F073B3FD6C}"/>
-              </a:ext>
-            </a:extLst>
-          </p:cNvPr>
-          <p:cNvSpPr txBox="1"/>
-          <p:nvPr/>
-        </p:nvSpPr>
-        <p:spPr>
-          <a:xfrm>
-            <a:off x="1082040" y="389325"/>
-            <a:ext cx="724561" cy="646331"/>
-          </a:xfrm>
-          <a:prstGeom prst="rect">
-            <a:avLst/>
-          </a:prstGeom>
-          <a:noFill/>
-        </p:spPr>
-        <p:txBody>
-          <a:bodyPr wrap="square" rtlCol="0">
-            <a:spAutoFit/>
-          </a:bodyPr>
-          <a:lstStyle/>
-          <a:p>
-            <a:r>
-              <a:rPr lang="pt-BR" sz="3600" b="1" dirty="0">
-                <a:solidFill>
-                  <a:schemeClr val="bg1"/>
-                </a:solidFill>
-              </a:rPr>
-              <a:t>/</a:t>
-            </a:r>
-          </a:p>
-        </p:txBody>
-      </p:sp>
-      <p:sp>
-        <p:nvSpPr>
-          <p:cNvPr id="8" name="CaixaDeTexto 7">
-            <a:extLst>
-              <a:ext uri="{FF2B5EF4-FFF2-40B4-BE49-F238E27FC236}">
-                <a16:creationId xmlns:a16="http://schemas.microsoft.com/office/drawing/2014/main" id="{A72487C4-D5BF-777D-8761-065874E370B9}"/>
-              </a:ext>
-            </a:extLst>
-          </p:cNvPr>
-          <p:cNvSpPr txBox="1"/>
-          <p:nvPr/>
-        </p:nvSpPr>
-        <p:spPr>
-          <a:xfrm>
-            <a:off x="1615440" y="794902"/>
-            <a:ext cx="4366260" cy="523220"/>
-          </a:xfrm>
-          <a:prstGeom prst="rect">
-            <a:avLst/>
-          </a:prstGeom>
-          <a:noFill/>
-        </p:spPr>
-        <p:txBody>
-          <a:bodyPr wrap="square" rtlCol="0">
-            <a:spAutoFit/>
-          </a:bodyPr>
-          <a:lstStyle/>
-          <a:p>
-            <a:r>
-              <a:rPr lang="pt-BR" sz="2800" dirty="0">
-                <a:solidFill>
-                  <a:schemeClr val="bg1"/>
-                </a:solidFill>
-              </a:rPr>
-              <a:t>index.html</a:t>
-            </a:r>
-          </a:p>
-        </p:txBody>
-      </p:sp>
-      <p:sp>
-        <p:nvSpPr>
-          <p:cNvPr id="9" name="CaixaDeTexto 8">
-            <a:extLst>
-              <a:ext uri="{FF2B5EF4-FFF2-40B4-BE49-F238E27FC236}">
-                <a16:creationId xmlns:a16="http://schemas.microsoft.com/office/drawing/2014/main" id="{95111912-B565-E6AF-A8B5-4768FA5F9C0D}"/>
-              </a:ext>
-            </a:extLst>
-          </p:cNvPr>
-          <p:cNvSpPr txBox="1"/>
-          <p:nvPr/>
-        </p:nvSpPr>
-        <p:spPr>
-          <a:xfrm>
-            <a:off x="1615440" y="1532325"/>
-            <a:ext cx="4366260" cy="523220"/>
-          </a:xfrm>
-          <a:prstGeom prst="rect">
-            <a:avLst/>
-          </a:prstGeom>
-          <a:noFill/>
-        </p:spPr>
-        <p:txBody>
-          <a:bodyPr wrap="square" rtlCol="0">
-            <a:spAutoFit/>
-          </a:bodyPr>
-          <a:lstStyle/>
-          <a:p>
-            <a:r>
-              <a:rPr lang="pt-BR" sz="2800" dirty="0">
-                <a:solidFill>
-                  <a:schemeClr val="bg1"/>
-                </a:solidFill>
-              </a:rPr>
-              <a:t>sobre.html</a:t>
-            </a:r>
-          </a:p>
-        </p:txBody>
-      </p:sp>
-      <p:sp>
-        <p:nvSpPr>
-          <p:cNvPr id="10" name="CaixaDeTexto 9">
-            <a:extLst>
-              <a:ext uri="{FF2B5EF4-FFF2-40B4-BE49-F238E27FC236}">
-                <a16:creationId xmlns:a16="http://schemas.microsoft.com/office/drawing/2014/main" id="{EE87208F-42C7-A104-66A5-E59757A4844C}"/>
-              </a:ext>
-            </a:extLst>
-          </p:cNvPr>
-          <p:cNvSpPr txBox="1"/>
-          <p:nvPr/>
-        </p:nvSpPr>
-        <p:spPr>
-          <a:xfrm>
-            <a:off x="1615440" y="1886568"/>
-            <a:ext cx="4366260" cy="523220"/>
-          </a:xfrm>
-          <a:prstGeom prst="rect">
-            <a:avLst/>
-          </a:prstGeom>
-          <a:noFill/>
-        </p:spPr>
-        <p:txBody>
-          <a:bodyPr wrap="square" rtlCol="0">
-            <a:spAutoFit/>
-          </a:bodyPr>
-          <a:lstStyle/>
-          <a:p>
-            <a:r>
-              <a:rPr lang="pt-BR" sz="2800" dirty="0">
-                <a:solidFill>
-                  <a:schemeClr val="bg1"/>
-                </a:solidFill>
-              </a:rPr>
-              <a:t>projetos.html</a:t>
-            </a:r>
-          </a:p>
-        </p:txBody>
-      </p:sp>
-      <p:sp>
-        <p:nvSpPr>
-          <p:cNvPr id="11" name="CaixaDeTexto 10">
-            <a:extLst>
-              <a:ext uri="{FF2B5EF4-FFF2-40B4-BE49-F238E27FC236}">
-                <a16:creationId xmlns:a16="http://schemas.microsoft.com/office/drawing/2014/main" id="{53946585-5A5B-9FFD-FE81-70B38ACAF2A3}"/>
-              </a:ext>
-            </a:extLst>
-          </p:cNvPr>
-          <p:cNvSpPr txBox="1"/>
-          <p:nvPr/>
-        </p:nvSpPr>
-        <p:spPr>
-          <a:xfrm>
-            <a:off x="1615440" y="2240812"/>
-            <a:ext cx="4366260" cy="523220"/>
-          </a:xfrm>
-          <a:prstGeom prst="rect">
-            <a:avLst/>
-          </a:prstGeom>
-          <a:noFill/>
-        </p:spPr>
-        <p:txBody>
-          <a:bodyPr wrap="square" rtlCol="0">
-            <a:spAutoFit/>
-          </a:bodyPr>
-          <a:lstStyle/>
-          <a:p>
-            <a:r>
-              <a:rPr lang="pt-BR" sz="2800" dirty="0">
-                <a:solidFill>
-                  <a:schemeClr val="bg1"/>
-                </a:solidFill>
-              </a:rPr>
-              <a:t>apoio.html</a:t>
-            </a:r>
-          </a:p>
-        </p:txBody>
-      </p:sp>
-      <p:sp>
-        <p:nvSpPr>
-          <p:cNvPr id="12" name="CaixaDeTexto 11">
-            <a:extLst>
-              <a:ext uri="{FF2B5EF4-FFF2-40B4-BE49-F238E27FC236}">
-                <a16:creationId xmlns:a16="http://schemas.microsoft.com/office/drawing/2014/main" id="{FB7D9298-C807-BC4F-1BE4-137E850903EE}"/>
-              </a:ext>
-            </a:extLst>
-          </p:cNvPr>
-          <p:cNvSpPr txBox="1"/>
-          <p:nvPr/>
-        </p:nvSpPr>
-        <p:spPr>
-          <a:xfrm>
-            <a:off x="5674258" y="3720581"/>
-            <a:ext cx="1291743" cy="523220"/>
-          </a:xfrm>
-          <a:prstGeom prst="rect">
-            <a:avLst/>
-          </a:prstGeom>
-          <a:noFill/>
-        </p:spPr>
-        <p:txBody>
-          <a:bodyPr wrap="square" rtlCol="0">
-            <a:spAutoFit/>
-          </a:bodyPr>
-          <a:lstStyle/>
-          <a:p>
-            <a:r>
-              <a:rPr lang="pt-BR" sz="2800" dirty="0">
+              <a:rPr lang="pt-BR" sz="2000" dirty="0">
                 <a:solidFill>
                   <a:srgbClr val="E7AE18"/>
                 </a:solidFill>
               </a:rPr>
-              <a:t>projeto</a:t>
-            </a:r>
-          </a:p>
-        </p:txBody>
-      </p:sp>
-      <p:pic>
-        <p:nvPicPr>
-          <p:cNvPr id="13" name="Imagem 12" descr="Ícone&#10;&#10;Descrição gerada automaticamente">
-            <a:extLst>
-              <a:ext uri="{FF2B5EF4-FFF2-40B4-BE49-F238E27FC236}">
-                <a16:creationId xmlns:a16="http://schemas.microsoft.com/office/drawing/2014/main" id="{0D04FE97-1FD3-AFB0-DF01-26EFD38431AC}"/>
-              </a:ext>
-            </a:extLst>
-          </p:cNvPr>
-          <p:cNvPicPr>
-            <a:picLocks noChangeAspect="1"/>
-          </p:cNvPicPr>
-          <p:nvPr/>
-        </p:nvPicPr>
-        <p:blipFill>
-          <a:blip r:embed="rId2">
-            <a:extLst>
-              <a:ext uri="{28A0092B-C50C-407E-A947-70E740481C1C}">
-                <a14:useLocalDpi xmlns:a14="http://schemas.microsoft.com/office/drawing/2010/main" val="0"/>
-              </a:ext>
-            </a:extLst>
-          </a:blip>
-          <a:stretch>
-            <a:fillRect/>
-          </a:stretch>
-        </p:blipFill>
-        <p:spPr>
-          <a:xfrm>
-            <a:off x="4861560" y="5693980"/>
-            <a:ext cx="812698" cy="812698"/>
-          </a:xfrm>
-          <a:prstGeom prst="rect">
-            <a:avLst/>
-          </a:prstGeom>
-        </p:spPr>
-      </p:pic>
-      <p:sp>
-        <p:nvSpPr>
-          <p:cNvPr id="14" name="CaixaDeTexto 13">
-            <a:extLst>
-              <a:ext uri="{FF2B5EF4-FFF2-40B4-BE49-F238E27FC236}">
-                <a16:creationId xmlns:a16="http://schemas.microsoft.com/office/drawing/2014/main" id="{B7F4FB18-0C51-E2D3-D49A-E27BEA4F9EA1}"/>
-              </a:ext>
-            </a:extLst>
-          </p:cNvPr>
-          <p:cNvSpPr txBox="1"/>
-          <p:nvPr/>
-        </p:nvSpPr>
-        <p:spPr>
-          <a:xfrm>
-            <a:off x="5674258" y="5838719"/>
-            <a:ext cx="1291743" cy="523220"/>
-          </a:xfrm>
-          <a:prstGeom prst="rect">
-            <a:avLst/>
-          </a:prstGeom>
-          <a:noFill/>
-        </p:spPr>
-        <p:txBody>
-          <a:bodyPr wrap="square" rtlCol="0">
-            <a:spAutoFit/>
-          </a:bodyPr>
-          <a:lstStyle/>
-          <a:p>
-            <a:r>
-              <a:rPr lang="pt-BR" sz="2800" dirty="0">
-                <a:solidFill>
-                  <a:srgbClr val="E7AE18"/>
-                </a:solidFill>
-              </a:rPr>
-              <a:t>img</a:t>
-            </a:r>
-          </a:p>
-        </p:txBody>
-      </p:sp>
-      <p:pic>
-        <p:nvPicPr>
-          <p:cNvPr id="15" name="Imagem 14" descr="Ícone&#10;&#10;Descrição gerada automaticamente">
-            <a:extLst>
-              <a:ext uri="{FF2B5EF4-FFF2-40B4-BE49-F238E27FC236}">
-                <a16:creationId xmlns:a16="http://schemas.microsoft.com/office/drawing/2014/main" id="{F1E74AF9-2E11-695F-49BA-7E9F869FCA80}"/>
-              </a:ext>
-            </a:extLst>
-          </p:cNvPr>
-          <p:cNvPicPr>
-            <a:picLocks noChangeAspect="1"/>
-          </p:cNvPicPr>
-          <p:nvPr/>
-        </p:nvPicPr>
-        <p:blipFill>
-          <a:blip r:embed="rId2">
-            <a:extLst>
-              <a:ext uri="{28A0092B-C50C-407E-A947-70E740481C1C}">
-                <a14:useLocalDpi xmlns:a14="http://schemas.microsoft.com/office/drawing/2010/main" val="0"/>
-              </a:ext>
-            </a:extLst>
-          </a:blip>
-          <a:stretch>
-            <a:fillRect/>
-          </a:stretch>
-        </p:blipFill>
-        <p:spPr>
-          <a:xfrm>
-            <a:off x="4861560" y="4634911"/>
-            <a:ext cx="812698" cy="812698"/>
-          </a:xfrm>
-          <a:prstGeom prst="rect">
-            <a:avLst/>
-          </a:prstGeom>
-        </p:spPr>
-      </p:pic>
-      <p:sp>
-        <p:nvSpPr>
-          <p:cNvPr id="16" name="CaixaDeTexto 15">
-            <a:extLst>
-              <a:ext uri="{FF2B5EF4-FFF2-40B4-BE49-F238E27FC236}">
-                <a16:creationId xmlns:a16="http://schemas.microsoft.com/office/drawing/2014/main" id="{C49E7278-F20F-08FA-7570-9A7C91650A5F}"/>
-              </a:ext>
-            </a:extLst>
-          </p:cNvPr>
-          <p:cNvSpPr txBox="1"/>
-          <p:nvPr/>
-        </p:nvSpPr>
-        <p:spPr>
-          <a:xfrm>
-            <a:off x="5674258" y="4779650"/>
-            <a:ext cx="1291743" cy="523220"/>
-          </a:xfrm>
-          <a:prstGeom prst="rect">
-            <a:avLst/>
-          </a:prstGeom>
-          <a:noFill/>
-        </p:spPr>
-        <p:txBody>
-          <a:bodyPr wrap="square" rtlCol="0">
-            <a:spAutoFit/>
-          </a:bodyPr>
-          <a:lstStyle/>
-          <a:p>
-            <a:r>
-              <a:rPr lang="pt-BR" sz="2800" dirty="0">
-                <a:solidFill>
-                  <a:srgbClr val="E7AE18"/>
-                </a:solidFill>
-              </a:rPr>
-              <a:t>tutorial</a:t>
-            </a:r>
-          </a:p>
-        </p:txBody>
-      </p:sp>
-      <p:sp>
-        <p:nvSpPr>
-          <p:cNvPr id="17" name="CaixaDeTexto 16">
-            <a:extLst>
-              <a:ext uri="{FF2B5EF4-FFF2-40B4-BE49-F238E27FC236}">
-                <a16:creationId xmlns:a16="http://schemas.microsoft.com/office/drawing/2014/main" id="{A7C5E1F5-AABD-C879-75E6-2C86210A7F64}"/>
-              </a:ext>
-            </a:extLst>
-          </p:cNvPr>
-          <p:cNvSpPr txBox="1"/>
-          <p:nvPr/>
-        </p:nvSpPr>
-        <p:spPr>
-          <a:xfrm>
-            <a:off x="7795260" y="3410784"/>
-            <a:ext cx="4366260" cy="523220"/>
-          </a:xfrm>
-          <a:prstGeom prst="rect">
-            <a:avLst/>
-          </a:prstGeom>
-          <a:noFill/>
-        </p:spPr>
-        <p:txBody>
-          <a:bodyPr wrap="square" rtlCol="0">
-            <a:spAutoFit/>
-          </a:bodyPr>
-          <a:lstStyle/>
-          <a:p>
-            <a:r>
-              <a:rPr lang="pt-BR" sz="2800" dirty="0">
-                <a:solidFill>
-                  <a:schemeClr val="bg1"/>
-                </a:solidFill>
-              </a:rPr>
-              <a:t>projeto1.html</a:t>
-            </a:r>
-          </a:p>
-        </p:txBody>
-      </p:sp>
-      <p:sp>
-        <p:nvSpPr>
-          <p:cNvPr id="18" name="CaixaDeTexto 17">
-            <a:extLst>
-              <a:ext uri="{FF2B5EF4-FFF2-40B4-BE49-F238E27FC236}">
-                <a16:creationId xmlns:a16="http://schemas.microsoft.com/office/drawing/2014/main" id="{ED79D0A4-796B-415F-7E8B-D81101509126}"/>
-              </a:ext>
-            </a:extLst>
-          </p:cNvPr>
-          <p:cNvSpPr txBox="1"/>
-          <p:nvPr/>
-        </p:nvSpPr>
-        <p:spPr>
-          <a:xfrm>
-            <a:off x="7799070" y="3765027"/>
-            <a:ext cx="4366260" cy="523220"/>
-          </a:xfrm>
-          <a:prstGeom prst="rect">
-            <a:avLst/>
-          </a:prstGeom>
-          <a:noFill/>
-        </p:spPr>
-        <p:txBody>
-          <a:bodyPr wrap="square" rtlCol="0">
-            <a:spAutoFit/>
-          </a:bodyPr>
-          <a:lstStyle/>
-          <a:p>
-            <a:r>
-              <a:rPr lang="pt-BR" sz="2800" dirty="0">
-                <a:solidFill>
-                  <a:schemeClr val="bg1"/>
-                </a:solidFill>
-              </a:rPr>
-              <a:t>projeto2.html</a:t>
-            </a:r>
-          </a:p>
-        </p:txBody>
-      </p:sp>
-      <p:sp>
-        <p:nvSpPr>
-          <p:cNvPr id="20" name="CaixaDeTexto 19">
-            <a:extLst>
-              <a:ext uri="{FF2B5EF4-FFF2-40B4-BE49-F238E27FC236}">
-                <a16:creationId xmlns:a16="http://schemas.microsoft.com/office/drawing/2014/main" id="{E5ED6C60-192F-BD81-623B-B2AE09096BB7}"/>
-              </a:ext>
-            </a:extLst>
-          </p:cNvPr>
-          <p:cNvSpPr txBox="1"/>
-          <p:nvPr/>
-        </p:nvSpPr>
-        <p:spPr>
-          <a:xfrm>
-            <a:off x="7795260" y="4549857"/>
-            <a:ext cx="4366260" cy="523220"/>
-          </a:xfrm>
-          <a:prstGeom prst="rect">
-            <a:avLst/>
-          </a:prstGeom>
-          <a:noFill/>
-        </p:spPr>
-        <p:txBody>
-          <a:bodyPr wrap="square" rtlCol="0">
-            <a:spAutoFit/>
-          </a:bodyPr>
-          <a:lstStyle/>
-          <a:p>
-            <a:r>
-              <a:rPr lang="pt-BR" sz="2800" dirty="0">
-                <a:solidFill>
-                  <a:schemeClr val="bg1"/>
-                </a:solidFill>
-              </a:rPr>
-              <a:t>tutorial1.html</a:t>
-            </a:r>
-          </a:p>
-        </p:txBody>
-      </p:sp>
-      <p:sp>
-        <p:nvSpPr>
-          <p:cNvPr id="21" name="CaixaDeTexto 20">
-            <a:extLst>
-              <a:ext uri="{FF2B5EF4-FFF2-40B4-BE49-F238E27FC236}">
-                <a16:creationId xmlns:a16="http://schemas.microsoft.com/office/drawing/2014/main" id="{4ECFF1DD-3483-7C5B-95A7-0929465B22A4}"/>
-              </a:ext>
-            </a:extLst>
-          </p:cNvPr>
-          <p:cNvSpPr txBox="1"/>
-          <p:nvPr/>
-        </p:nvSpPr>
-        <p:spPr>
-          <a:xfrm>
-            <a:off x="7799070" y="4904100"/>
-            <a:ext cx="4366260" cy="523220"/>
-          </a:xfrm>
-          <a:prstGeom prst="rect">
-            <a:avLst/>
-          </a:prstGeom>
-          <a:noFill/>
-        </p:spPr>
-        <p:txBody>
-          <a:bodyPr wrap="square" rtlCol="0">
-            <a:spAutoFit/>
-          </a:bodyPr>
-          <a:lstStyle/>
-          <a:p>
-            <a:r>
-              <a:rPr lang="pt-BR" sz="2800" dirty="0">
-                <a:solidFill>
-                  <a:schemeClr val="bg1"/>
-                </a:solidFill>
-              </a:rPr>
-              <a:t>tutorial2.html</a:t>
-            </a:r>
-          </a:p>
-        </p:txBody>
-      </p:sp>
-      <p:sp>
-        <p:nvSpPr>
-          <p:cNvPr id="24" name="CaixaDeTexto 23">
-            <a:extLst>
-              <a:ext uri="{FF2B5EF4-FFF2-40B4-BE49-F238E27FC236}">
-                <a16:creationId xmlns:a16="http://schemas.microsoft.com/office/drawing/2014/main" id="{A2633794-A4E0-2696-93E1-85B3A613503D}"/>
-              </a:ext>
-            </a:extLst>
-          </p:cNvPr>
-          <p:cNvSpPr txBox="1"/>
-          <p:nvPr/>
-        </p:nvSpPr>
-        <p:spPr>
-          <a:xfrm>
-            <a:off x="1628191" y="2615124"/>
-            <a:ext cx="4366260" cy="523220"/>
-          </a:xfrm>
-          <a:prstGeom prst="rect">
-            <a:avLst/>
-          </a:prstGeom>
-          <a:noFill/>
-        </p:spPr>
-        <p:txBody>
-          <a:bodyPr wrap="square" rtlCol="0">
-            <a:spAutoFit/>
-          </a:bodyPr>
-          <a:lstStyle/>
-          <a:p>
-            <a:r>
-              <a:rPr lang="pt-BR" sz="2800" dirty="0">
-                <a:solidFill>
-                  <a:schemeClr val="bg1"/>
-                </a:solidFill>
-              </a:rPr>
-              <a:t>roboticasimples.html</a:t>
-            </a:r>
-          </a:p>
-        </p:txBody>
-      </p:sp>
-      <p:sp>
-        <p:nvSpPr>
-          <p:cNvPr id="25" name="CaixaDeTexto 24">
-            <a:extLst>
-              <a:ext uri="{FF2B5EF4-FFF2-40B4-BE49-F238E27FC236}">
-                <a16:creationId xmlns:a16="http://schemas.microsoft.com/office/drawing/2014/main" id="{3237F220-0D8F-B46E-E897-DE6031C12BB9}"/>
-              </a:ext>
-            </a:extLst>
-          </p:cNvPr>
-          <p:cNvSpPr txBox="1"/>
-          <p:nvPr/>
-        </p:nvSpPr>
-        <p:spPr>
-          <a:xfrm>
-            <a:off x="1628191" y="2975357"/>
-            <a:ext cx="4366260" cy="523220"/>
-          </a:xfrm>
-          <a:prstGeom prst="rect">
-            <a:avLst/>
-          </a:prstGeom>
-          <a:noFill/>
-        </p:spPr>
-        <p:txBody>
-          <a:bodyPr wrap="square" rtlCol="0">
-            <a:spAutoFit/>
-          </a:bodyPr>
-          <a:lstStyle/>
-          <a:p>
-            <a:r>
-              <a:rPr lang="pt-BR" sz="2800" dirty="0">
-                <a:solidFill>
-                  <a:schemeClr val="bg1"/>
-                </a:solidFill>
-              </a:rPr>
-              <a:t>roboticalivre.html</a:t>
-            </a:r>
-          </a:p>
-        </p:txBody>
-      </p:sp>
-      <p:sp>
-        <p:nvSpPr>
-          <p:cNvPr id="26" name="CaixaDeTexto 25">
-            <a:extLst>
-              <a:ext uri="{FF2B5EF4-FFF2-40B4-BE49-F238E27FC236}">
-                <a16:creationId xmlns:a16="http://schemas.microsoft.com/office/drawing/2014/main" id="{8504E1C6-9343-7AB5-8055-53E5E97B4569}"/>
-              </a:ext>
-            </a:extLst>
-          </p:cNvPr>
-          <p:cNvSpPr txBox="1"/>
-          <p:nvPr/>
-        </p:nvSpPr>
-        <p:spPr>
-          <a:xfrm>
-            <a:off x="1628191" y="3329600"/>
-            <a:ext cx="4366260" cy="523220"/>
-          </a:xfrm>
-          <a:prstGeom prst="rect">
-            <a:avLst/>
-          </a:prstGeom>
-          <a:noFill/>
-        </p:spPr>
-        <p:txBody>
-          <a:bodyPr wrap="square" rtlCol="0">
-            <a:spAutoFit/>
-          </a:bodyPr>
-          <a:lstStyle/>
-          <a:p>
-            <a:r>
-              <a:rPr lang="pt-BR" sz="2800" dirty="0">
-                <a:solidFill>
-                  <a:schemeClr val="bg1"/>
-                </a:solidFill>
-              </a:rPr>
-              <a:t>arduino.html</a:t>
+              <a:t>Links</a:t>
             </a:r>
           </a:p>
         </p:txBody>
       </p:sp>
       <p:cxnSp>
         <p:nvCxnSpPr>
-          <p:cNvPr id="28" name="Conector reto 27">
-            <a:extLst>
-              <a:ext uri="{FF2B5EF4-FFF2-40B4-BE49-F238E27FC236}">
-                <a16:creationId xmlns:a16="http://schemas.microsoft.com/office/drawing/2014/main" id="{78013668-4034-C01C-40C6-D2DA1B6571A7}"/>
+          <p:cNvPr id="17" name="Conector reto 16">
+            <a:extLst>
+              <a:ext uri="{FF2B5EF4-FFF2-40B4-BE49-F238E27FC236}">
+                <a16:creationId xmlns:a16="http://schemas.microsoft.com/office/drawing/2014/main" id="{A4739BE7-E675-29D6-05C5-C0813BD7400F}"/>
               </a:ext>
             </a:extLst>
           </p:cNvPr>
@@ -5664,9 +4968,9 @@
           <p:nvPr/>
         </p:nvCxnSpPr>
         <p:spPr>
-          <a:xfrm>
-            <a:off x="1348740" y="1051560"/>
-            <a:ext cx="0" cy="2620834"/>
+          <a:xfrm flipH="1" flipV="1">
+            <a:off x="6496909" y="2799052"/>
+            <a:ext cx="898500" cy="21586"/>
           </a:xfrm>
           <a:prstGeom prst="line">
             <a:avLst/>
@@ -5692,12 +4996,132 @@
           </a:fontRef>
         </p:style>
       </p:cxnSp>
+      <p:sp>
+        <p:nvSpPr>
+          <p:cNvPr id="25" name="CaixaDeTexto 24">
+            <a:extLst>
+              <a:ext uri="{FF2B5EF4-FFF2-40B4-BE49-F238E27FC236}">
+                <a16:creationId xmlns:a16="http://schemas.microsoft.com/office/drawing/2014/main" id="{14E0B631-8EC9-FA52-1E5D-CA040EE72D08}"/>
+              </a:ext>
+            </a:extLst>
+          </p:cNvPr>
+          <p:cNvSpPr txBox="1"/>
+          <p:nvPr/>
+        </p:nvSpPr>
+        <p:spPr>
+          <a:xfrm>
+            <a:off x="7618435" y="2613134"/>
+            <a:ext cx="2218821" cy="400110"/>
+          </a:xfrm>
+          <a:prstGeom prst="rect">
+            <a:avLst/>
+          </a:prstGeom>
+          <a:noFill/>
+        </p:spPr>
+        <p:txBody>
+          <a:bodyPr wrap="square" rtlCol="0">
+            <a:spAutoFit/>
+          </a:bodyPr>
+          <a:lstStyle/>
+          <a:p>
+            <a:r>
+              <a:rPr lang="pt-BR" sz="2000" dirty="0">
+                <a:solidFill>
+                  <a:schemeClr val="bg1"/>
+                </a:solidFill>
+                <a:latin typeface="Google Sans"/>
+              </a:rPr>
+              <a:t>dicas.html</a:t>
+            </a:r>
+            <a:endParaRPr lang="pt-BR" sz="2000" dirty="0">
+              <a:solidFill>
+                <a:schemeClr val="bg1"/>
+              </a:solidFill>
+            </a:endParaRPr>
+          </a:p>
+        </p:txBody>
+      </p:sp>
+      <p:pic>
+        <p:nvPicPr>
+          <p:cNvPr id="26" name="Imagem 25" descr="Ícone&#10;&#10;Descrição gerada automaticamente">
+            <a:extLst>
+              <a:ext uri="{FF2B5EF4-FFF2-40B4-BE49-F238E27FC236}">
+                <a16:creationId xmlns:a16="http://schemas.microsoft.com/office/drawing/2014/main" id="{6951F948-159F-3558-46BE-1F07CD502F29}"/>
+              </a:ext>
+            </a:extLst>
+          </p:cNvPr>
+          <p:cNvPicPr>
+            <a:picLocks noChangeAspect="1"/>
+          </p:cNvPicPr>
+          <p:nvPr/>
+        </p:nvPicPr>
+        <p:blipFill>
+          <a:blip r:embed="rId2">
+            <a:extLst>
+              <a:ext uri="{28A0092B-C50C-407E-A947-70E740481C1C}">
+                <a14:useLocalDpi xmlns:a14="http://schemas.microsoft.com/office/drawing/2010/main" val="0"/>
+              </a:ext>
+            </a:extLst>
+          </a:blip>
+          <a:stretch>
+            <a:fillRect/>
+          </a:stretch>
+        </p:blipFill>
+        <p:spPr>
+          <a:xfrm>
+            <a:off x="4861560" y="1640645"/>
+            <a:ext cx="812698" cy="812698"/>
+          </a:xfrm>
+          <a:prstGeom prst="rect">
+            <a:avLst/>
+          </a:prstGeom>
+        </p:spPr>
+      </p:pic>
+      <p:sp>
+        <p:nvSpPr>
+          <p:cNvPr id="27" name="CaixaDeTexto 26">
+            <a:extLst>
+              <a:ext uri="{FF2B5EF4-FFF2-40B4-BE49-F238E27FC236}">
+                <a16:creationId xmlns:a16="http://schemas.microsoft.com/office/drawing/2014/main" id="{B8CE23F3-37D3-61C2-F53B-FD81F7FC258F}"/>
+              </a:ext>
+            </a:extLst>
+          </p:cNvPr>
+          <p:cNvSpPr txBox="1"/>
+          <p:nvPr/>
+        </p:nvSpPr>
+        <p:spPr>
+          <a:xfrm>
+            <a:off x="5674257" y="1785384"/>
+            <a:ext cx="2340375" cy="400110"/>
+          </a:xfrm>
+          <a:prstGeom prst="rect">
+            <a:avLst/>
+          </a:prstGeom>
+          <a:noFill/>
+        </p:spPr>
+        <p:txBody>
+          <a:bodyPr wrap="square" rtlCol="0">
+            <a:spAutoFit/>
+          </a:bodyPr>
+          <a:lstStyle/>
+          <a:p>
+            <a:r>
+              <a:rPr lang="pt-BR" sz="2000" dirty="0">
+                <a:solidFill>
+                  <a:srgbClr val="E7AE18"/>
+                </a:solidFill>
+              </a:rPr>
+              <a:t>Sobre</a:t>
+            </a:r>
+          </a:p>
+        </p:txBody>
+      </p:sp>
       <p:cxnSp>
         <p:nvCxnSpPr>
-          <p:cNvPr id="29" name="Conector reto 28">
-            <a:extLst>
-              <a:ext uri="{FF2B5EF4-FFF2-40B4-BE49-F238E27FC236}">
-                <a16:creationId xmlns:a16="http://schemas.microsoft.com/office/drawing/2014/main" id="{966A120B-1773-D0F3-0AEC-1E681FBDC34F}"/>
+          <p:cNvPr id="32" name="Conector reto 31">
+            <a:extLst>
+              <a:ext uri="{FF2B5EF4-FFF2-40B4-BE49-F238E27FC236}">
+                <a16:creationId xmlns:a16="http://schemas.microsoft.com/office/drawing/2014/main" id="{52182748-FC30-A9AB-8ECA-3EE84A0CE313}"/>
               </a:ext>
             </a:extLst>
           </p:cNvPr>
@@ -5707,16 +5131,16 @@
           <p:nvPr/>
         </p:nvCxnSpPr>
         <p:spPr>
-          <a:xfrm>
-            <a:off x="1055370" y="1056512"/>
-            <a:ext cx="0" cy="4109198"/>
+          <a:xfrm flipH="1" flipV="1">
+            <a:off x="6496909" y="1985439"/>
+            <a:ext cx="898500" cy="21586"/>
           </a:xfrm>
           <a:prstGeom prst="line">
             <a:avLst/>
           </a:prstGeom>
           <a:ln>
             <a:solidFill>
-              <a:srgbClr val="E7AE18"/>
+              <a:schemeClr val="bg1"/>
             </a:solidFill>
           </a:ln>
         </p:spPr>
@@ -5735,12 +5159,66 @@
           </a:fontRef>
         </p:style>
       </p:cxnSp>
+      <p:sp>
+        <p:nvSpPr>
+          <p:cNvPr id="34" name="CaixaDeTexto 33">
+            <a:extLst>
+              <a:ext uri="{FF2B5EF4-FFF2-40B4-BE49-F238E27FC236}">
+                <a16:creationId xmlns:a16="http://schemas.microsoft.com/office/drawing/2014/main" id="{A410FACB-0568-ECC4-D06E-44198EB28F0E}"/>
+              </a:ext>
+            </a:extLst>
+          </p:cNvPr>
+          <p:cNvSpPr txBox="1"/>
+          <p:nvPr/>
+        </p:nvSpPr>
+        <p:spPr>
+          <a:xfrm>
+            <a:off x="7618435" y="1799521"/>
+            <a:ext cx="2218821" cy="400110"/>
+          </a:xfrm>
+          <a:prstGeom prst="rect">
+            <a:avLst/>
+          </a:prstGeom>
+          <a:noFill/>
+        </p:spPr>
+        <p:txBody>
+          <a:bodyPr wrap="square" rtlCol="0">
+            <a:spAutoFit/>
+          </a:bodyPr>
+          <a:lstStyle/>
+          <a:p>
+            <a:r>
+              <a:rPr lang="pt-BR" sz="2000">
+                <a:solidFill>
+                  <a:schemeClr val="bg1"/>
+                </a:solidFill>
+                <a:latin typeface="Google Sans"/>
+              </a:rPr>
+              <a:t>sobre.</a:t>
+            </a:r>
+            <a:r>
+              <a:rPr lang="pt-BR" sz="2000" dirty="0">
+                <a:solidFill>
+                  <a:schemeClr val="bg1"/>
+                </a:solidFill>
+                <a:latin typeface="Google Sans"/>
+              </a:rPr>
+              <a:t>html</a:t>
+            </a:r>
+            <a:endParaRPr lang="pt-BR" sz="2000" dirty="0">
+              <a:solidFill>
+                <a:schemeClr val="bg1"/>
+              </a:solidFill>
+            </a:endParaRPr>
+          </a:p>
+        </p:txBody>
+      </p:sp>
       <p:cxnSp>
         <p:nvCxnSpPr>
-          <p:cNvPr id="31" name="Conector reto 30">
-            <a:extLst>
-              <a:ext uri="{FF2B5EF4-FFF2-40B4-BE49-F238E27FC236}">
-                <a16:creationId xmlns:a16="http://schemas.microsoft.com/office/drawing/2014/main" id="{9AEC922D-72D5-EFA0-289A-2E5ACFB85B92}"/>
+          <p:cNvPr id="35" name="Conector reto 34">
+            <a:extLst>
+              <a:ext uri="{FF2B5EF4-FFF2-40B4-BE49-F238E27FC236}">
+                <a16:creationId xmlns:a16="http://schemas.microsoft.com/office/drawing/2014/main" id="{14353FA0-C598-9FC3-703E-03182B645C0A}"/>
               </a:ext>
             </a:extLst>
           </p:cNvPr>
@@ -5750,16 +5228,16 @@
           <p:nvPr/>
         </p:nvCxnSpPr>
         <p:spPr>
-          <a:xfrm>
-            <a:off x="4522470" y="4106641"/>
-            <a:ext cx="0" cy="2054599"/>
+          <a:xfrm flipH="1" flipV="1">
+            <a:off x="8799169" y="5010293"/>
+            <a:ext cx="374773" cy="10131"/>
           </a:xfrm>
           <a:prstGeom prst="line">
             <a:avLst/>
           </a:prstGeom>
           <a:ln>
             <a:solidFill>
-              <a:srgbClr val="E7AE18"/>
+              <a:schemeClr val="bg1"/>
             </a:solidFill>
           </a:ln>
         </p:spPr>
@@ -5778,12 +5256,134 @@
           </a:fontRef>
         </p:style>
       </p:cxnSp>
+      <p:pic>
+        <p:nvPicPr>
+          <p:cNvPr id="36" name="Imagem 35" descr="Ícone&#10;&#10;Descrição gerada automaticamente">
+            <a:extLst>
+              <a:ext uri="{FF2B5EF4-FFF2-40B4-BE49-F238E27FC236}">
+                <a16:creationId xmlns:a16="http://schemas.microsoft.com/office/drawing/2014/main" id="{51422039-8335-8272-CE29-75DA67BBDA2B}"/>
+              </a:ext>
+            </a:extLst>
+          </p:cNvPr>
+          <p:cNvPicPr>
+            <a:picLocks noChangeAspect="1"/>
+          </p:cNvPicPr>
+          <p:nvPr/>
+        </p:nvPicPr>
+        <p:blipFill>
+          <a:blip r:embed="rId2">
+            <a:extLst>
+              <a:ext uri="{28A0092B-C50C-407E-A947-70E740481C1C}">
+                <a14:useLocalDpi xmlns:a14="http://schemas.microsoft.com/office/drawing/2010/main" val="0"/>
+              </a:ext>
+            </a:extLst>
+          </a:blip>
+          <a:stretch>
+            <a:fillRect/>
+          </a:stretch>
+        </p:blipFill>
+        <p:spPr>
+          <a:xfrm>
+            <a:off x="9236368" y="4939710"/>
+            <a:ext cx="246214" cy="246214"/>
+          </a:xfrm>
+          <a:prstGeom prst="rect">
+            <a:avLst/>
+          </a:prstGeom>
+        </p:spPr>
+      </p:pic>
+      <p:sp>
+        <p:nvSpPr>
+          <p:cNvPr id="38" name="CaixaDeTexto 37">
+            <a:extLst>
+              <a:ext uri="{FF2B5EF4-FFF2-40B4-BE49-F238E27FC236}">
+                <a16:creationId xmlns:a16="http://schemas.microsoft.com/office/drawing/2014/main" id="{ECAC3A0A-0215-F9A0-5B9E-2D4CE8F89DA0}"/>
+              </a:ext>
+            </a:extLst>
+          </p:cNvPr>
+          <p:cNvSpPr txBox="1"/>
+          <p:nvPr/>
+        </p:nvSpPr>
+        <p:spPr>
+          <a:xfrm>
+            <a:off x="9438989" y="4840636"/>
+            <a:ext cx="1777261" cy="523220"/>
+          </a:xfrm>
+          <a:prstGeom prst="rect">
+            <a:avLst/>
+          </a:prstGeom>
+          <a:noFill/>
+        </p:spPr>
+        <p:txBody>
+          <a:bodyPr wrap="square" rtlCol="0">
+            <a:spAutoFit/>
+          </a:bodyPr>
+          <a:lstStyle/>
+          <a:p>
+            <a:r>
+              <a:rPr lang="pt-BR" sz="1400" dirty="0" err="1">
+                <a:solidFill>
+                  <a:srgbClr val="E7AE18"/>
+                </a:solidFill>
+              </a:rPr>
+              <a:t>configuracao</a:t>
+            </a:r>
+            <a:r>
+              <a:rPr lang="pt-BR" sz="1400" dirty="0">
+                <a:solidFill>
+                  <a:srgbClr val="E7AE18"/>
+                </a:solidFill>
+              </a:rPr>
+              <a:t>-de-instrumento-musical</a:t>
+            </a:r>
+          </a:p>
+        </p:txBody>
+      </p:sp>
+      <p:sp>
+        <p:nvSpPr>
+          <p:cNvPr id="48" name="CaixaDeTexto 47">
+            <a:extLst>
+              <a:ext uri="{FF2B5EF4-FFF2-40B4-BE49-F238E27FC236}">
+                <a16:creationId xmlns:a16="http://schemas.microsoft.com/office/drawing/2014/main" id="{DC3D051E-3377-C5F9-263D-52723877F1F8}"/>
+              </a:ext>
+            </a:extLst>
+          </p:cNvPr>
+          <p:cNvSpPr txBox="1"/>
+          <p:nvPr/>
+        </p:nvSpPr>
+        <p:spPr>
+          <a:xfrm>
+            <a:off x="9438989" y="5359461"/>
+            <a:ext cx="1319127" cy="307777"/>
+          </a:xfrm>
+          <a:prstGeom prst="rect">
+            <a:avLst/>
+          </a:prstGeom>
+          <a:noFill/>
+        </p:spPr>
+        <p:txBody>
+          <a:bodyPr wrap="square" rtlCol="0">
+            <a:spAutoFit/>
+          </a:bodyPr>
+          <a:lstStyle/>
+          <a:p>
+            <a:r>
+              <a:rPr lang="pt-BR" sz="1400" dirty="0">
+                <a:solidFill>
+                  <a:srgbClr val="E7AE18"/>
+                </a:solidFill>
+              </a:rPr>
+              <a:t>Teoria-musical</a:t>
+            </a:r>
+          </a:p>
+        </p:txBody>
+      </p:sp>
       <p:cxnSp>
         <p:nvCxnSpPr>
-          <p:cNvPr id="33" name="Conector reto 32">
-            <a:extLst>
-              <a:ext uri="{FF2B5EF4-FFF2-40B4-BE49-F238E27FC236}">
-                <a16:creationId xmlns:a16="http://schemas.microsoft.com/office/drawing/2014/main" id="{5F290329-E7D8-41D0-A83E-C7EC6E763F3A}"/>
+          <p:cNvPr id="52" name="Conector reto 51">
+            <a:extLst>
+              <a:ext uri="{FF2B5EF4-FFF2-40B4-BE49-F238E27FC236}">
+                <a16:creationId xmlns:a16="http://schemas.microsoft.com/office/drawing/2014/main" id="{2F1A1DB6-DA55-1DD5-9070-911219EE7D13}"/>
               </a:ext>
             </a:extLst>
           </p:cNvPr>
@@ -5793,16 +5393,16 @@
           <p:nvPr/>
         </p:nvCxnSpPr>
         <p:spPr>
-          <a:xfrm>
-            <a:off x="1055370" y="5165710"/>
-            <a:ext cx="3467100" cy="0"/>
+          <a:xfrm flipH="1" flipV="1">
+            <a:off x="8807804" y="5222258"/>
+            <a:ext cx="341079" cy="134704"/>
           </a:xfrm>
           <a:prstGeom prst="line">
             <a:avLst/>
           </a:prstGeom>
           <a:ln>
             <a:solidFill>
-              <a:srgbClr val="E7AE18"/>
+              <a:schemeClr val="bg1"/>
             </a:solidFill>
           </a:ln>
         </p:spPr>
@@ -5821,12 +5421,48 @@
           </a:fontRef>
         </p:style>
       </p:cxnSp>
+      <p:pic>
+        <p:nvPicPr>
+          <p:cNvPr id="54" name="Imagem 53" descr="Ícone&#10;&#10;Descrição gerada automaticamente">
+            <a:extLst>
+              <a:ext uri="{FF2B5EF4-FFF2-40B4-BE49-F238E27FC236}">
+                <a16:creationId xmlns:a16="http://schemas.microsoft.com/office/drawing/2014/main" id="{B4964D52-3BD9-4595-D5DE-524D18418673}"/>
+              </a:ext>
+            </a:extLst>
+          </p:cNvPr>
+          <p:cNvPicPr>
+            <a:picLocks noChangeAspect="1"/>
+          </p:cNvPicPr>
+          <p:nvPr/>
+        </p:nvPicPr>
+        <p:blipFill>
+          <a:blip r:embed="rId2">
+            <a:extLst>
+              <a:ext uri="{28A0092B-C50C-407E-A947-70E740481C1C}">
+                <a14:useLocalDpi xmlns:a14="http://schemas.microsoft.com/office/drawing/2010/main" val="0"/>
+              </a:ext>
+            </a:extLst>
+          </a:blip>
+          <a:stretch>
+            <a:fillRect/>
+          </a:stretch>
+        </p:blipFill>
+        <p:spPr>
+          <a:xfrm>
+            <a:off x="9211309" y="5422020"/>
+            <a:ext cx="246214" cy="246214"/>
+          </a:xfrm>
+          <a:prstGeom prst="rect">
+            <a:avLst/>
+          </a:prstGeom>
+        </p:spPr>
+      </p:pic>
       <p:cxnSp>
         <p:nvCxnSpPr>
-          <p:cNvPr id="37" name="Conector reto 36">
-            <a:extLst>
-              <a:ext uri="{FF2B5EF4-FFF2-40B4-BE49-F238E27FC236}">
-                <a16:creationId xmlns:a16="http://schemas.microsoft.com/office/drawing/2014/main" id="{2DC6D130-9D2B-C7E1-82F9-C875A0832497}"/>
+          <p:cNvPr id="57" name="Conector reto 56">
+            <a:extLst>
+              <a:ext uri="{FF2B5EF4-FFF2-40B4-BE49-F238E27FC236}">
+                <a16:creationId xmlns:a16="http://schemas.microsoft.com/office/drawing/2014/main" id="{5810B5CC-624D-B3A3-1336-E4BBDBC112D1}"/>
               </a:ext>
             </a:extLst>
           </p:cNvPr>
@@ -5837,8 +5473,8 @@
         </p:nvCxnSpPr>
         <p:spPr>
           <a:xfrm flipH="1">
-            <a:off x="6880860" y="3720581"/>
-            <a:ext cx="897839" cy="200928"/>
+            <a:off x="8727845" y="4689065"/>
+            <a:ext cx="383671" cy="88258"/>
           </a:xfrm>
           <a:prstGeom prst="line">
             <a:avLst/>
@@ -5864,25 +5500,149 @@
           </a:fontRef>
         </p:style>
       </p:cxnSp>
+      <p:pic>
+        <p:nvPicPr>
+          <p:cNvPr id="59" name="Imagem 58" descr="Ícone&#10;&#10;Descrição gerada automaticamente">
+            <a:extLst>
+              <a:ext uri="{FF2B5EF4-FFF2-40B4-BE49-F238E27FC236}">
+                <a16:creationId xmlns:a16="http://schemas.microsoft.com/office/drawing/2014/main" id="{786EBE25-4C85-AB88-9CE9-BA867BD842C4}"/>
+              </a:ext>
+            </a:extLst>
+          </p:cNvPr>
+          <p:cNvPicPr>
+            <a:picLocks noChangeAspect="1"/>
+          </p:cNvPicPr>
+          <p:nvPr/>
+        </p:nvPicPr>
+        <p:blipFill>
+          <a:blip r:embed="rId2">
+            <a:extLst>
+              <a:ext uri="{28A0092B-C50C-407E-A947-70E740481C1C}">
+                <a14:useLocalDpi xmlns:a14="http://schemas.microsoft.com/office/drawing/2010/main" val="0"/>
+              </a:ext>
+            </a:extLst>
+          </a:blip>
+          <a:stretch>
+            <a:fillRect/>
+          </a:stretch>
+        </p:blipFill>
+        <p:spPr>
+          <a:xfrm>
+            <a:off x="9173942" y="4608351"/>
+            <a:ext cx="246214" cy="246214"/>
+          </a:xfrm>
+          <a:prstGeom prst="rect">
+            <a:avLst/>
+          </a:prstGeom>
+        </p:spPr>
+      </p:pic>
+      <p:sp>
+        <p:nvSpPr>
+          <p:cNvPr id="60" name="CaixaDeTexto 59">
+            <a:extLst>
+              <a:ext uri="{FF2B5EF4-FFF2-40B4-BE49-F238E27FC236}">
+                <a16:creationId xmlns:a16="http://schemas.microsoft.com/office/drawing/2014/main" id="{0E86A0DF-2D48-D4DE-6CF2-A8A3B7825399}"/>
+              </a:ext>
+            </a:extLst>
+          </p:cNvPr>
+          <p:cNvSpPr txBox="1"/>
+          <p:nvPr/>
+        </p:nvSpPr>
+        <p:spPr>
+          <a:xfrm>
+            <a:off x="9468892" y="4524028"/>
+            <a:ext cx="634245" cy="307777"/>
+          </a:xfrm>
+          <a:prstGeom prst="rect">
+            <a:avLst/>
+          </a:prstGeom>
+          <a:noFill/>
+        </p:spPr>
+        <p:txBody>
+          <a:bodyPr wrap="square" rtlCol="0">
+            <a:spAutoFit/>
+          </a:bodyPr>
+          <a:lstStyle/>
+          <a:p>
+            <a:r>
+              <a:rPr lang="pt-BR" sz="1400" dirty="0" err="1">
+                <a:solidFill>
+                  <a:srgbClr val="E7AE18"/>
+                </a:solidFill>
+              </a:rPr>
+              <a:t>audio</a:t>
+            </a:r>
+            <a:endParaRPr lang="pt-BR" sz="1400" dirty="0">
+              <a:solidFill>
+                <a:srgbClr val="E7AE18"/>
+              </a:solidFill>
+            </a:endParaRPr>
+          </a:p>
+        </p:txBody>
+      </p:sp>
+      <p:sp>
+        <p:nvSpPr>
+          <p:cNvPr id="65" name="CaixaDeTexto 64">
+            <a:extLst>
+              <a:ext uri="{FF2B5EF4-FFF2-40B4-BE49-F238E27FC236}">
+                <a16:creationId xmlns:a16="http://schemas.microsoft.com/office/drawing/2014/main" id="{72A91BCC-D486-C920-749A-E3E3B5C5A57F}"/>
+              </a:ext>
+            </a:extLst>
+          </p:cNvPr>
+          <p:cNvSpPr txBox="1"/>
+          <p:nvPr/>
+        </p:nvSpPr>
+        <p:spPr>
+          <a:xfrm>
+            <a:off x="11187628" y="4856835"/>
+            <a:ext cx="2218821" cy="276999"/>
+          </a:xfrm>
+          <a:prstGeom prst="rect">
+            <a:avLst/>
+          </a:prstGeom>
+          <a:noFill/>
+        </p:spPr>
+        <p:txBody>
+          <a:bodyPr wrap="square" rtlCol="0">
+            <a:spAutoFit/>
+          </a:bodyPr>
+          <a:lstStyle/>
+          <a:p>
+            <a:r>
+              <a:rPr lang="pt-BR" sz="1200" dirty="0">
+                <a:solidFill>
+                  <a:schemeClr val="bg1"/>
+                </a:solidFill>
+                <a:latin typeface="Google Sans"/>
+              </a:rPr>
+              <a:t>artigo1.html</a:t>
+            </a:r>
+            <a:endParaRPr lang="pt-BR" sz="1200" dirty="0">
+              <a:solidFill>
+                <a:schemeClr val="bg1"/>
+              </a:solidFill>
+            </a:endParaRPr>
+          </a:p>
+        </p:txBody>
+      </p:sp>
       <p:cxnSp>
         <p:nvCxnSpPr>
-          <p:cNvPr id="39" name="Conector reto 38">
-            <a:extLst>
-              <a:ext uri="{FF2B5EF4-FFF2-40B4-BE49-F238E27FC236}">
-                <a16:creationId xmlns:a16="http://schemas.microsoft.com/office/drawing/2014/main" id="{02126507-2165-8E99-ACD5-BF7D6B4150C3}"/>
+          <p:cNvPr id="66" name="Conector reto 65">
+            <a:extLst>
+              <a:ext uri="{FF2B5EF4-FFF2-40B4-BE49-F238E27FC236}">
+                <a16:creationId xmlns:a16="http://schemas.microsoft.com/office/drawing/2014/main" id="{984A95B7-7F4E-B98F-2E6C-688CFF2B8655}"/>
               </a:ext>
             </a:extLst>
           </p:cNvPr>
           <p:cNvCxnSpPr>
             <a:cxnSpLocks/>
-            <a:stCxn id="18" idx="1"/>
           </p:cNvCxnSpPr>
           <p:nvPr/>
         </p:nvCxnSpPr>
         <p:spPr>
-          <a:xfrm flipH="1" flipV="1">
-            <a:off x="6900570" y="4005051"/>
-            <a:ext cx="898500" cy="21586"/>
+          <a:xfrm flipH="1">
+            <a:off x="10907274" y="5016347"/>
+            <a:ext cx="231618" cy="23872"/>
           </a:xfrm>
           <a:prstGeom prst="line">
             <a:avLst/>
@@ -5908,25 +5668,69 @@
           </a:fontRef>
         </p:style>
       </p:cxnSp>
+      <p:sp>
+        <p:nvSpPr>
+          <p:cNvPr id="67" name="CaixaDeTexto 66">
+            <a:extLst>
+              <a:ext uri="{FF2B5EF4-FFF2-40B4-BE49-F238E27FC236}">
+                <a16:creationId xmlns:a16="http://schemas.microsoft.com/office/drawing/2014/main" id="{B4A512BA-064B-5D04-8EC2-C0389500E81F}"/>
+              </a:ext>
+            </a:extLst>
+          </p:cNvPr>
+          <p:cNvSpPr txBox="1"/>
+          <p:nvPr/>
+        </p:nvSpPr>
+        <p:spPr>
+          <a:xfrm>
+            <a:off x="10967586" y="5340520"/>
+            <a:ext cx="2218821" cy="276999"/>
+          </a:xfrm>
+          <a:prstGeom prst="rect">
+            <a:avLst/>
+          </a:prstGeom>
+          <a:noFill/>
+        </p:spPr>
+        <p:txBody>
+          <a:bodyPr wrap="square" rtlCol="0">
+            <a:spAutoFit/>
+          </a:bodyPr>
+          <a:lstStyle/>
+          <a:p>
+            <a:r>
+              <a:rPr lang="pt-BR" sz="1200" dirty="0">
+                <a:solidFill>
+                  <a:schemeClr val="bg1"/>
+                </a:solidFill>
+                <a:latin typeface="Google Sans"/>
+              </a:rPr>
+              <a:t>artigo1.html</a:t>
+            </a:r>
+            <a:endParaRPr lang="pt-BR" sz="1200" dirty="0">
+              <a:solidFill>
+                <a:schemeClr val="bg1"/>
+              </a:solidFill>
+            </a:endParaRPr>
+          </a:p>
+        </p:txBody>
+      </p:sp>
       <p:cxnSp>
         <p:nvCxnSpPr>
-          <p:cNvPr id="49" name="Conector reto 48">
-            <a:extLst>
-              <a:ext uri="{FF2B5EF4-FFF2-40B4-BE49-F238E27FC236}">
-                <a16:creationId xmlns:a16="http://schemas.microsoft.com/office/drawing/2014/main" id="{31603C75-18DF-8631-C8FB-53B9608DC4FB}"/>
+          <p:cNvPr id="68" name="Conector reto 67">
+            <a:extLst>
+              <a:ext uri="{FF2B5EF4-FFF2-40B4-BE49-F238E27FC236}">
+                <a16:creationId xmlns:a16="http://schemas.microsoft.com/office/drawing/2014/main" id="{53ECCC1A-E01F-7635-AFBD-078D9CCF2474}"/>
               </a:ext>
             </a:extLst>
           </p:cNvPr>
           <p:cNvCxnSpPr>
             <a:cxnSpLocks/>
-            <a:stCxn id="21" idx="1"/>
           </p:cNvCxnSpPr>
           <p:nvPr/>
         </p:nvCxnSpPr>
         <p:spPr>
-          <a:xfrm flipH="1" flipV="1">
-            <a:off x="6929476" y="5072816"/>
-            <a:ext cx="869594" cy="92894"/>
+          <a:xfrm flipH="1">
+            <a:off x="10687232" y="5500032"/>
+            <a:ext cx="231618" cy="23872"/>
           </a:xfrm>
           <a:prstGeom prst="line">
             <a:avLst/>
@@ -5952,131 +5756,10 @@
           </a:fontRef>
         </p:style>
       </p:cxnSp>
-      <p:cxnSp>
-        <p:nvCxnSpPr>
-          <p:cNvPr id="51" name="Conector reto 50">
-            <a:extLst>
-              <a:ext uri="{FF2B5EF4-FFF2-40B4-BE49-F238E27FC236}">
-                <a16:creationId xmlns:a16="http://schemas.microsoft.com/office/drawing/2014/main" id="{A7B7A0CF-3068-8CED-0079-34C666391D06}"/>
-              </a:ext>
-            </a:extLst>
-          </p:cNvPr>
-          <p:cNvCxnSpPr>
-            <a:cxnSpLocks/>
-          </p:cNvCxnSpPr>
-          <p:nvPr/>
-        </p:nvCxnSpPr>
-        <p:spPr>
-          <a:xfrm flipH="1">
-            <a:off x="6915353" y="4899983"/>
-            <a:ext cx="863346" cy="77742"/>
-          </a:xfrm>
-          <a:prstGeom prst="line">
-            <a:avLst/>
-          </a:prstGeom>
-          <a:ln>
-            <a:solidFill>
-              <a:schemeClr val="bg1"/>
-            </a:solidFill>
-          </a:ln>
-        </p:spPr>
-        <p:style>
-          <a:lnRef idx="1">
-            <a:schemeClr val="accent1"/>
-          </a:lnRef>
-          <a:fillRef idx="0">
-            <a:schemeClr val="accent1"/>
-          </a:fillRef>
-          <a:effectRef idx="0">
-            <a:schemeClr val="accent1"/>
-          </a:effectRef>
-          <a:fontRef idx="minor">
-            <a:schemeClr val="tx1"/>
-          </a:fontRef>
-        </p:style>
-      </p:cxnSp>
-      <p:sp>
-        <p:nvSpPr>
-          <p:cNvPr id="4" name="CaixaDeTexto 3">
-            <a:extLst>
-              <a:ext uri="{FF2B5EF4-FFF2-40B4-BE49-F238E27FC236}">
-                <a16:creationId xmlns:a16="http://schemas.microsoft.com/office/drawing/2014/main" id="{A34AA15E-8DAE-B59C-D5F8-0370A8B85B06}"/>
-              </a:ext>
-            </a:extLst>
-          </p:cNvPr>
-          <p:cNvSpPr txBox="1"/>
-          <p:nvPr/>
-        </p:nvSpPr>
-        <p:spPr>
-          <a:xfrm>
-            <a:off x="1615440" y="1149145"/>
-            <a:ext cx="4366260" cy="523220"/>
-          </a:xfrm>
-          <a:prstGeom prst="rect">
-            <a:avLst/>
-          </a:prstGeom>
-          <a:noFill/>
-        </p:spPr>
-        <p:txBody>
-          <a:bodyPr wrap="square" rtlCol="0">
-            <a:spAutoFit/>
-          </a:bodyPr>
-          <a:lstStyle/>
-          <a:p>
-            <a:r>
-              <a:rPr lang="pt-BR" sz="2800" dirty="0">
-                <a:solidFill>
-                  <a:schemeClr val="bg1"/>
-                </a:solidFill>
-              </a:rPr>
-              <a:t>style.css</a:t>
-            </a:r>
-          </a:p>
-        </p:txBody>
-      </p:sp>
-      <p:sp>
-        <p:nvSpPr>
-          <p:cNvPr id="2" name="CaixaDeTexto 1">
-            <a:extLst>
-              <a:ext uri="{FF2B5EF4-FFF2-40B4-BE49-F238E27FC236}">
-                <a16:creationId xmlns:a16="http://schemas.microsoft.com/office/drawing/2014/main" id="{94BBAC08-C17B-2D12-B666-F4A149365E58}"/>
-              </a:ext>
-            </a:extLst>
-          </p:cNvPr>
-          <p:cNvSpPr txBox="1"/>
-          <p:nvPr/>
-        </p:nvSpPr>
-        <p:spPr>
-          <a:xfrm>
-            <a:off x="7825740" y="1300093"/>
-            <a:ext cx="3558540" cy="584775"/>
-          </a:xfrm>
-          <a:prstGeom prst="rect">
-            <a:avLst/>
-          </a:prstGeom>
-          <a:noFill/>
-        </p:spPr>
-        <p:txBody>
-          <a:bodyPr wrap="square" rtlCol="0">
-            <a:spAutoFit/>
-          </a:bodyPr>
-          <a:lstStyle/>
-          <a:p>
-            <a:r>
-              <a:rPr lang="pt-BR" sz="3200" dirty="0">
-                <a:solidFill>
-                  <a:srgbClr val="E7AE18"/>
-                </a:solidFill>
-              </a:rPr>
-              <a:t>Estrutura do site</a:t>
-            </a:r>
-          </a:p>
-        </p:txBody>
-      </p:sp>
     </p:spTree>
     <p:extLst>
       <p:ext uri="{BB962C8B-B14F-4D97-AF65-F5344CB8AC3E}">
-        <p14:creationId xmlns:p14="http://schemas.microsoft.com/office/powerpoint/2010/main" val="2622325798"/>
+        <p14:creationId xmlns:p14="http://schemas.microsoft.com/office/powerpoint/2010/main" val="2627768452"/>
       </p:ext>
     </p:extLst>
   </p:cSld>

--- a/doc/estrutura.pptx
+++ b/doc/estrutura.pptx
@@ -259,7 +259,7 @@
           <a:p>
             <a:fld id="{374776FB-0EF4-4B37-BDE5-59431B157ACE}" type="datetimeFigureOut">
               <a:rPr lang="pt-BR" smtClean="0"/>
-              <a:t>18/03/2024</a:t>
+              <a:t>08/04/2024</a:t>
             </a:fld>
             <a:endParaRPr lang="pt-BR"/>
           </a:p>
@@ -457,7 +457,7 @@
           <a:p>
             <a:fld id="{374776FB-0EF4-4B37-BDE5-59431B157ACE}" type="datetimeFigureOut">
               <a:rPr lang="pt-BR" smtClean="0"/>
-              <a:t>18/03/2024</a:t>
+              <a:t>08/04/2024</a:t>
             </a:fld>
             <a:endParaRPr lang="pt-BR"/>
           </a:p>
@@ -665,7 +665,7 @@
           <a:p>
             <a:fld id="{374776FB-0EF4-4B37-BDE5-59431B157ACE}" type="datetimeFigureOut">
               <a:rPr lang="pt-BR" smtClean="0"/>
-              <a:t>18/03/2024</a:t>
+              <a:t>08/04/2024</a:t>
             </a:fld>
             <a:endParaRPr lang="pt-BR"/>
           </a:p>
@@ -863,7 +863,7 @@
           <a:p>
             <a:fld id="{374776FB-0EF4-4B37-BDE5-59431B157ACE}" type="datetimeFigureOut">
               <a:rPr lang="pt-BR" smtClean="0"/>
-              <a:t>18/03/2024</a:t>
+              <a:t>08/04/2024</a:t>
             </a:fld>
             <a:endParaRPr lang="pt-BR"/>
           </a:p>
@@ -1138,7 +1138,7 @@
           <a:p>
             <a:fld id="{374776FB-0EF4-4B37-BDE5-59431B157ACE}" type="datetimeFigureOut">
               <a:rPr lang="pt-BR" smtClean="0"/>
-              <a:t>18/03/2024</a:t>
+              <a:t>08/04/2024</a:t>
             </a:fld>
             <a:endParaRPr lang="pt-BR"/>
           </a:p>
@@ -1403,7 +1403,7 @@
           <a:p>
             <a:fld id="{374776FB-0EF4-4B37-BDE5-59431B157ACE}" type="datetimeFigureOut">
               <a:rPr lang="pt-BR" smtClean="0"/>
-              <a:t>18/03/2024</a:t>
+              <a:t>08/04/2024</a:t>
             </a:fld>
             <a:endParaRPr lang="pt-BR"/>
           </a:p>
@@ -1815,7 +1815,7 @@
           <a:p>
             <a:fld id="{374776FB-0EF4-4B37-BDE5-59431B157ACE}" type="datetimeFigureOut">
               <a:rPr lang="pt-BR" smtClean="0"/>
-              <a:t>18/03/2024</a:t>
+              <a:t>08/04/2024</a:t>
             </a:fld>
             <a:endParaRPr lang="pt-BR"/>
           </a:p>
@@ -1956,7 +1956,7 @@
           <a:p>
             <a:fld id="{374776FB-0EF4-4B37-BDE5-59431B157ACE}" type="datetimeFigureOut">
               <a:rPr lang="pt-BR" smtClean="0"/>
-              <a:t>18/03/2024</a:t>
+              <a:t>08/04/2024</a:t>
             </a:fld>
             <a:endParaRPr lang="pt-BR"/>
           </a:p>
@@ -2069,7 +2069,7 @@
           <a:p>
             <a:fld id="{374776FB-0EF4-4B37-BDE5-59431B157ACE}" type="datetimeFigureOut">
               <a:rPr lang="pt-BR" smtClean="0"/>
-              <a:t>18/03/2024</a:t>
+              <a:t>08/04/2024</a:t>
             </a:fld>
             <a:endParaRPr lang="pt-BR"/>
           </a:p>
@@ -2380,7 +2380,7 @@
           <a:p>
             <a:fld id="{374776FB-0EF4-4B37-BDE5-59431B157ACE}" type="datetimeFigureOut">
               <a:rPr lang="pt-BR" smtClean="0"/>
-              <a:t>18/03/2024</a:t>
+              <a:t>08/04/2024</a:t>
             </a:fld>
             <a:endParaRPr lang="pt-BR"/>
           </a:p>
@@ -2668,7 +2668,7 @@
           <a:p>
             <a:fld id="{374776FB-0EF4-4B37-BDE5-59431B157ACE}" type="datetimeFigureOut">
               <a:rPr lang="pt-BR" smtClean="0"/>
-              <a:t>18/03/2024</a:t>
+              <a:t>08/04/2024</a:t>
             </a:fld>
             <a:endParaRPr lang="pt-BR"/>
           </a:p>
@@ -2909,7 +2909,7 @@
           <a:p>
             <a:fld id="{374776FB-0EF4-4B37-BDE5-59431B157ACE}" type="datetimeFigureOut">
               <a:rPr lang="pt-BR" smtClean="0"/>
-              <a:t>18/03/2024</a:t>
+              <a:t>08/04/2024</a:t>
             </a:fld>
             <a:endParaRPr lang="pt-BR"/>
           </a:p>
@@ -5756,6 +5756,270 @@
           </a:fontRef>
         </p:style>
       </p:cxnSp>
+      <p:cxnSp>
+        <p:nvCxnSpPr>
+          <p:cNvPr id="39" name="Conector reto 38">
+            <a:extLst>
+              <a:ext uri="{FF2B5EF4-FFF2-40B4-BE49-F238E27FC236}">
+                <a16:creationId xmlns:a16="http://schemas.microsoft.com/office/drawing/2014/main" id="{8F0DDA7B-4881-4860-B9C0-C78FF25599B3}"/>
+              </a:ext>
+            </a:extLst>
+          </p:cNvPr>
+          <p:cNvCxnSpPr>
+            <a:cxnSpLocks/>
+          </p:cNvCxnSpPr>
+          <p:nvPr/>
+        </p:nvCxnSpPr>
+        <p:spPr>
+          <a:xfrm flipH="1" flipV="1">
+            <a:off x="8807804" y="5406145"/>
+            <a:ext cx="428564" cy="463100"/>
+          </a:xfrm>
+          <a:prstGeom prst="line">
+            <a:avLst/>
+          </a:prstGeom>
+          <a:ln>
+            <a:solidFill>
+              <a:schemeClr val="bg1"/>
+            </a:solidFill>
+          </a:ln>
+        </p:spPr>
+        <p:style>
+          <a:lnRef idx="1">
+            <a:schemeClr val="accent1"/>
+          </a:lnRef>
+          <a:fillRef idx="0">
+            <a:schemeClr val="accent1"/>
+          </a:fillRef>
+          <a:effectRef idx="0">
+            <a:schemeClr val="accent1"/>
+          </a:effectRef>
+          <a:fontRef idx="minor">
+            <a:schemeClr val="tx1"/>
+          </a:fontRef>
+        </p:style>
+      </p:cxnSp>
+      <p:cxnSp>
+        <p:nvCxnSpPr>
+          <p:cNvPr id="55" name="Conector reto 54">
+            <a:extLst>
+              <a:ext uri="{FF2B5EF4-FFF2-40B4-BE49-F238E27FC236}">
+                <a16:creationId xmlns:a16="http://schemas.microsoft.com/office/drawing/2014/main" id="{D9FEE8E5-0B91-3D53-3996-D877A3D86B95}"/>
+              </a:ext>
+            </a:extLst>
+          </p:cNvPr>
+          <p:cNvCxnSpPr>
+            <a:cxnSpLocks/>
+          </p:cNvCxnSpPr>
+          <p:nvPr/>
+        </p:nvCxnSpPr>
+        <p:spPr>
+          <a:xfrm flipH="1" flipV="1">
+            <a:off x="8758377" y="5540338"/>
+            <a:ext cx="565231" cy="766049"/>
+          </a:xfrm>
+          <a:prstGeom prst="line">
+            <a:avLst/>
+          </a:prstGeom>
+          <a:ln>
+            <a:solidFill>
+              <a:schemeClr val="bg1"/>
+            </a:solidFill>
+          </a:ln>
+        </p:spPr>
+        <p:style>
+          <a:lnRef idx="1">
+            <a:schemeClr val="accent1"/>
+          </a:lnRef>
+          <a:fillRef idx="0">
+            <a:schemeClr val="accent1"/>
+          </a:fillRef>
+          <a:effectRef idx="0">
+            <a:schemeClr val="accent1"/>
+          </a:effectRef>
+          <a:fontRef idx="minor">
+            <a:schemeClr val="tx1"/>
+          </a:fontRef>
+        </p:style>
+      </p:cxnSp>
+      <p:cxnSp>
+        <p:nvCxnSpPr>
+          <p:cNvPr id="62" name="Conector reto 61">
+            <a:extLst>
+              <a:ext uri="{FF2B5EF4-FFF2-40B4-BE49-F238E27FC236}">
+                <a16:creationId xmlns:a16="http://schemas.microsoft.com/office/drawing/2014/main" id="{D8B216FC-E5C7-51DA-86E1-533E6FF7D004}"/>
+              </a:ext>
+            </a:extLst>
+          </p:cNvPr>
+          <p:cNvCxnSpPr>
+            <a:cxnSpLocks/>
+          </p:cNvCxnSpPr>
+          <p:nvPr/>
+        </p:nvCxnSpPr>
+        <p:spPr>
+          <a:xfrm flipH="1" flipV="1">
+            <a:off x="8703939" y="5706441"/>
+            <a:ext cx="619669" cy="1010243"/>
+          </a:xfrm>
+          <a:prstGeom prst="line">
+            <a:avLst/>
+          </a:prstGeom>
+          <a:ln>
+            <a:solidFill>
+              <a:schemeClr val="bg1"/>
+            </a:solidFill>
+          </a:ln>
+        </p:spPr>
+        <p:style>
+          <a:lnRef idx="1">
+            <a:schemeClr val="accent1"/>
+          </a:lnRef>
+          <a:fillRef idx="0">
+            <a:schemeClr val="accent1"/>
+          </a:fillRef>
+          <a:effectRef idx="0">
+            <a:schemeClr val="accent1"/>
+          </a:effectRef>
+          <a:fontRef idx="minor">
+            <a:schemeClr val="tx1"/>
+          </a:fontRef>
+        </p:style>
+      </p:cxnSp>
+      <p:sp>
+        <p:nvSpPr>
+          <p:cNvPr id="69" name="CaixaDeTexto 68">
+            <a:extLst>
+              <a:ext uri="{FF2B5EF4-FFF2-40B4-BE49-F238E27FC236}">
+                <a16:creationId xmlns:a16="http://schemas.microsoft.com/office/drawing/2014/main" id="{ADC1DFF3-EA7D-8441-ECDC-ED7C4C9F6E20}"/>
+              </a:ext>
+            </a:extLst>
+          </p:cNvPr>
+          <p:cNvSpPr txBox="1"/>
+          <p:nvPr/>
+        </p:nvSpPr>
+        <p:spPr>
+          <a:xfrm>
+            <a:off x="9296762" y="5730228"/>
+            <a:ext cx="2218821" cy="276999"/>
+          </a:xfrm>
+          <a:prstGeom prst="rect">
+            <a:avLst/>
+          </a:prstGeom>
+          <a:noFill/>
+        </p:spPr>
+        <p:txBody>
+          <a:bodyPr wrap="square" rtlCol="0">
+            <a:spAutoFit/>
+          </a:bodyPr>
+          <a:lstStyle/>
+          <a:p>
+            <a:r>
+              <a:rPr lang="pt-BR" sz="1200" dirty="0">
+                <a:solidFill>
+                  <a:schemeClr val="bg1"/>
+                </a:solidFill>
+                <a:latin typeface="Google Sans"/>
+              </a:rPr>
+              <a:t>dicas-audio.html</a:t>
+            </a:r>
+            <a:endParaRPr lang="pt-BR" sz="1200" dirty="0">
+              <a:solidFill>
+                <a:schemeClr val="bg1"/>
+              </a:solidFill>
+            </a:endParaRPr>
+          </a:p>
+        </p:txBody>
+      </p:sp>
+      <p:sp>
+        <p:nvSpPr>
+          <p:cNvPr id="70" name="CaixaDeTexto 69">
+            <a:extLst>
+              <a:ext uri="{FF2B5EF4-FFF2-40B4-BE49-F238E27FC236}">
+                <a16:creationId xmlns:a16="http://schemas.microsoft.com/office/drawing/2014/main" id="{115007C0-A57A-8310-D021-FBBB84F3489A}"/>
+              </a:ext>
+            </a:extLst>
+          </p:cNvPr>
+          <p:cNvSpPr txBox="1"/>
+          <p:nvPr/>
+        </p:nvSpPr>
+        <p:spPr>
+          <a:xfrm>
+            <a:off x="9334416" y="6192810"/>
+            <a:ext cx="2218821" cy="276999"/>
+          </a:xfrm>
+          <a:prstGeom prst="rect">
+            <a:avLst/>
+          </a:prstGeom>
+          <a:noFill/>
+        </p:spPr>
+        <p:txBody>
+          <a:bodyPr wrap="square" rtlCol="0">
+            <a:spAutoFit/>
+          </a:bodyPr>
+          <a:lstStyle/>
+          <a:p>
+            <a:r>
+              <a:rPr lang="pt-BR" sz="1200" dirty="0">
+                <a:solidFill>
+                  <a:schemeClr val="bg1"/>
+                </a:solidFill>
+                <a:latin typeface="Google Sans"/>
+              </a:rPr>
+              <a:t>dicas-sound-design.html</a:t>
+            </a:r>
+            <a:endParaRPr lang="pt-BR" sz="1200" dirty="0">
+              <a:solidFill>
+                <a:schemeClr val="bg1"/>
+              </a:solidFill>
+            </a:endParaRPr>
+          </a:p>
+        </p:txBody>
+      </p:sp>
+      <p:sp>
+        <p:nvSpPr>
+          <p:cNvPr id="71" name="CaixaDeTexto 70">
+            <a:extLst>
+              <a:ext uri="{FF2B5EF4-FFF2-40B4-BE49-F238E27FC236}">
+                <a16:creationId xmlns:a16="http://schemas.microsoft.com/office/drawing/2014/main" id="{C3055BBE-C692-5DA2-B638-99B892819452}"/>
+              </a:ext>
+            </a:extLst>
+          </p:cNvPr>
+          <p:cNvSpPr txBox="1"/>
+          <p:nvPr/>
+        </p:nvSpPr>
+        <p:spPr>
+          <a:xfrm>
+            <a:off x="9370308" y="6516892"/>
+            <a:ext cx="2218821" cy="276999"/>
+          </a:xfrm>
+          <a:prstGeom prst="rect">
+            <a:avLst/>
+          </a:prstGeom>
+          <a:noFill/>
+        </p:spPr>
+        <p:txBody>
+          <a:bodyPr wrap="square" rtlCol="0">
+            <a:spAutoFit/>
+          </a:bodyPr>
+          <a:lstStyle/>
+          <a:p>
+            <a:r>
+              <a:rPr lang="pt-BR" sz="1200" dirty="0">
+                <a:solidFill>
+                  <a:schemeClr val="bg1"/>
+                </a:solidFill>
+                <a:latin typeface="Google Sans"/>
+              </a:rPr>
+              <a:t>dicas-teoria-musical.html</a:t>
+            </a:r>
+            <a:endParaRPr lang="pt-BR" sz="1200" dirty="0">
+              <a:solidFill>
+                <a:schemeClr val="bg1"/>
+              </a:solidFill>
+            </a:endParaRPr>
+          </a:p>
+        </p:txBody>
+      </p:sp>
     </p:spTree>
     <p:extLst>
       <p:ext uri="{BB962C8B-B14F-4D97-AF65-F5344CB8AC3E}">

--- a/doc/estrutura.pptx
+++ b/doc/estrutura.pptx
@@ -259,7 +259,7 @@
           <a:p>
             <a:fld id="{374776FB-0EF4-4B37-BDE5-59431B157ACE}" type="datetimeFigureOut">
               <a:rPr lang="pt-BR" smtClean="0"/>
-              <a:t>08/04/2024</a:t>
+              <a:t>15/04/2024</a:t>
             </a:fld>
             <a:endParaRPr lang="pt-BR"/>
           </a:p>
@@ -457,7 +457,7 @@
           <a:p>
             <a:fld id="{374776FB-0EF4-4B37-BDE5-59431B157ACE}" type="datetimeFigureOut">
               <a:rPr lang="pt-BR" smtClean="0"/>
-              <a:t>08/04/2024</a:t>
+              <a:t>15/04/2024</a:t>
             </a:fld>
             <a:endParaRPr lang="pt-BR"/>
           </a:p>
@@ -665,7 +665,7 @@
           <a:p>
             <a:fld id="{374776FB-0EF4-4B37-BDE5-59431B157ACE}" type="datetimeFigureOut">
               <a:rPr lang="pt-BR" smtClean="0"/>
-              <a:t>08/04/2024</a:t>
+              <a:t>15/04/2024</a:t>
             </a:fld>
             <a:endParaRPr lang="pt-BR"/>
           </a:p>
@@ -863,7 +863,7 @@
           <a:p>
             <a:fld id="{374776FB-0EF4-4B37-BDE5-59431B157ACE}" type="datetimeFigureOut">
               <a:rPr lang="pt-BR" smtClean="0"/>
-              <a:t>08/04/2024</a:t>
+              <a:t>15/04/2024</a:t>
             </a:fld>
             <a:endParaRPr lang="pt-BR"/>
           </a:p>
@@ -1138,7 +1138,7 @@
           <a:p>
             <a:fld id="{374776FB-0EF4-4B37-BDE5-59431B157ACE}" type="datetimeFigureOut">
               <a:rPr lang="pt-BR" smtClean="0"/>
-              <a:t>08/04/2024</a:t>
+              <a:t>15/04/2024</a:t>
             </a:fld>
             <a:endParaRPr lang="pt-BR"/>
           </a:p>
@@ -1403,7 +1403,7 @@
           <a:p>
             <a:fld id="{374776FB-0EF4-4B37-BDE5-59431B157ACE}" type="datetimeFigureOut">
               <a:rPr lang="pt-BR" smtClean="0"/>
-              <a:t>08/04/2024</a:t>
+              <a:t>15/04/2024</a:t>
             </a:fld>
             <a:endParaRPr lang="pt-BR"/>
           </a:p>
@@ -1815,7 +1815,7 @@
           <a:p>
             <a:fld id="{374776FB-0EF4-4B37-BDE5-59431B157ACE}" type="datetimeFigureOut">
               <a:rPr lang="pt-BR" smtClean="0"/>
-              <a:t>08/04/2024</a:t>
+              <a:t>15/04/2024</a:t>
             </a:fld>
             <a:endParaRPr lang="pt-BR"/>
           </a:p>
@@ -1956,7 +1956,7 @@
           <a:p>
             <a:fld id="{374776FB-0EF4-4B37-BDE5-59431B157ACE}" type="datetimeFigureOut">
               <a:rPr lang="pt-BR" smtClean="0"/>
-              <a:t>08/04/2024</a:t>
+              <a:t>15/04/2024</a:t>
             </a:fld>
             <a:endParaRPr lang="pt-BR"/>
           </a:p>
@@ -2069,7 +2069,7 @@
           <a:p>
             <a:fld id="{374776FB-0EF4-4B37-BDE5-59431B157ACE}" type="datetimeFigureOut">
               <a:rPr lang="pt-BR" smtClean="0"/>
-              <a:t>08/04/2024</a:t>
+              <a:t>15/04/2024</a:t>
             </a:fld>
             <a:endParaRPr lang="pt-BR"/>
           </a:p>
@@ -2380,7 +2380,7 @@
           <a:p>
             <a:fld id="{374776FB-0EF4-4B37-BDE5-59431B157ACE}" type="datetimeFigureOut">
               <a:rPr lang="pt-BR" smtClean="0"/>
-              <a:t>08/04/2024</a:t>
+              <a:t>15/04/2024</a:t>
             </a:fld>
             <a:endParaRPr lang="pt-BR"/>
           </a:p>
@@ -2668,7 +2668,7 @@
           <a:p>
             <a:fld id="{374776FB-0EF4-4B37-BDE5-59431B157ACE}" type="datetimeFigureOut">
               <a:rPr lang="pt-BR" smtClean="0"/>
-              <a:t>08/04/2024</a:t>
+              <a:t>15/04/2024</a:t>
             </a:fld>
             <a:endParaRPr lang="pt-BR"/>
           </a:p>
@@ -2909,7 +2909,7 @@
           <a:p>
             <a:fld id="{374776FB-0EF4-4B37-BDE5-59431B157ACE}" type="datetimeFigureOut">
               <a:rPr lang="pt-BR" smtClean="0"/>
-              <a:t>08/04/2024</a:t>
+              <a:t>15/04/2024</a:t>
             </a:fld>
             <a:endParaRPr lang="pt-BR"/>
           </a:p>
@@ -4409,8 +4409,8 @@
         </p:nvSpPr>
         <p:spPr>
           <a:xfrm>
-            <a:off x="8411195" y="3333403"/>
-            <a:ext cx="793219" cy="307777"/>
+            <a:off x="8411194" y="3362558"/>
+            <a:ext cx="1307747" cy="307777"/>
           </a:xfrm>
           <a:prstGeom prst="rect">
             <a:avLst/>
@@ -4424,18 +4424,13 @@
           <a:lstStyle/>
           <a:p>
             <a:r>
-              <a:rPr lang="pt-BR" sz="1400" dirty="0" err="1">
+              <a:rPr lang="pt-BR" sz="1400" dirty="0">
                 <a:solidFill>
                   <a:srgbClr val="E7AE18"/>
                 </a:solidFill>
               </a:rPr>
-              <a:t>articles</a:t>
-            </a:r>
-            <a:endParaRPr lang="pt-BR" sz="1400" dirty="0">
-              <a:solidFill>
-                <a:srgbClr val="E7AE18"/>
-              </a:solidFill>
-            </a:endParaRPr>
+              <a:t>equipamentos</a:t>
+            </a:r>
           </a:p>
         </p:txBody>
       </p:sp>
@@ -4455,9 +4450,9 @@
           <p:nvPr/>
         </p:nvCxnSpPr>
         <p:spPr>
-          <a:xfrm>
-            <a:off x="9104244" y="3560696"/>
-            <a:ext cx="155142" cy="0"/>
+          <a:xfrm flipV="1">
+            <a:off x="9604438" y="3069599"/>
+            <a:ext cx="253019" cy="307777"/>
           </a:xfrm>
           <a:prstGeom prst="line">
             <a:avLst/>
@@ -4497,7 +4492,7 @@
         </p:nvSpPr>
         <p:spPr>
           <a:xfrm>
-            <a:off x="9259386" y="3360641"/>
+            <a:off x="9857457" y="2869544"/>
             <a:ext cx="1639367" cy="400110"/>
           </a:xfrm>
           <a:prstGeom prst="rect">
@@ -4519,7 +4514,7 @@
                 <a:effectLst/>
                 <a:latin typeface="Google Sans"/>
               </a:rPr>
-              <a:t>artigo1</a:t>
+              <a:t>mixers</a:t>
             </a:r>
             <a:r>
               <a:rPr lang="pt-BR" sz="2000" dirty="0">
@@ -5031,7 +5026,7 @@
                 </a:solidFill>
                 <a:latin typeface="Google Sans"/>
               </a:rPr>
-              <a:t>dicas.html</a:t>
+              <a:t>links.html</a:t>
             </a:r>
             <a:endParaRPr lang="pt-BR" sz="2000" dirty="0">
               <a:solidFill>
@@ -6017,6 +6012,203 @@
                 <a:schemeClr val="bg1"/>
               </a:solidFill>
             </a:endParaRPr>
+          </a:p>
+        </p:txBody>
+      </p:sp>
+      <p:cxnSp>
+        <p:nvCxnSpPr>
+          <p:cNvPr id="40" name="Conector reto 39">
+            <a:extLst>
+              <a:ext uri="{FF2B5EF4-FFF2-40B4-BE49-F238E27FC236}">
+                <a16:creationId xmlns:a16="http://schemas.microsoft.com/office/drawing/2014/main" id="{138966C2-2833-58CD-5150-23DCF1DA72A6}"/>
+              </a:ext>
+            </a:extLst>
+          </p:cNvPr>
+          <p:cNvCxnSpPr>
+            <a:cxnSpLocks/>
+            <a:endCxn id="43" idx="1"/>
+          </p:cNvCxnSpPr>
+          <p:nvPr/>
+        </p:nvCxnSpPr>
+        <p:spPr>
+          <a:xfrm flipV="1">
+            <a:off x="9690226" y="3444261"/>
+            <a:ext cx="155142" cy="69250"/>
+          </a:xfrm>
+          <a:prstGeom prst="line">
+            <a:avLst/>
+          </a:prstGeom>
+          <a:ln>
+            <a:solidFill>
+              <a:schemeClr val="bg1"/>
+            </a:solidFill>
+          </a:ln>
+        </p:spPr>
+        <p:style>
+          <a:lnRef idx="1">
+            <a:schemeClr val="accent1"/>
+          </a:lnRef>
+          <a:fillRef idx="0">
+            <a:schemeClr val="accent1"/>
+          </a:fillRef>
+          <a:effectRef idx="0">
+            <a:schemeClr val="accent1"/>
+          </a:effectRef>
+          <a:fontRef idx="minor">
+            <a:schemeClr val="tx1"/>
+          </a:fontRef>
+        </p:style>
+      </p:cxnSp>
+      <p:sp>
+        <p:nvSpPr>
+          <p:cNvPr id="43" name="CaixaDeTexto 42">
+            <a:extLst>
+              <a:ext uri="{FF2B5EF4-FFF2-40B4-BE49-F238E27FC236}">
+                <a16:creationId xmlns:a16="http://schemas.microsoft.com/office/drawing/2014/main" id="{246F04D4-B22E-86A6-7EE5-61F18A3CFAFB}"/>
+              </a:ext>
+            </a:extLst>
+          </p:cNvPr>
+          <p:cNvSpPr txBox="1"/>
+          <p:nvPr/>
+        </p:nvSpPr>
+        <p:spPr>
+          <a:xfrm>
+            <a:off x="9845368" y="3313456"/>
+            <a:ext cx="1639367" cy="261610"/>
+          </a:xfrm>
+          <a:prstGeom prst="rect">
+            <a:avLst/>
+          </a:prstGeom>
+          <a:noFill/>
+        </p:spPr>
+        <p:txBody>
+          <a:bodyPr wrap="square" rtlCol="0">
+            <a:spAutoFit/>
+          </a:bodyPr>
+          <a:lstStyle/>
+          <a:p>
+            <a:r>
+              <a:rPr lang="pt-BR" sz="1100" dirty="0">
+                <a:solidFill>
+                  <a:schemeClr val="bg1"/>
+                </a:solidFill>
+                <a:latin typeface="Google Sans"/>
+              </a:rPr>
+              <a:t>t</a:t>
+            </a:r>
+            <a:r>
+              <a:rPr lang="pt-BR" sz="1100" b="0" i="0" dirty="0">
+                <a:solidFill>
+                  <a:schemeClr val="bg1"/>
+                </a:solidFill>
+                <a:effectLst/>
+                <a:latin typeface="Google Sans"/>
+              </a:rPr>
+              <a:t>ipos-de-teclado</a:t>
+            </a:r>
+            <a:r>
+              <a:rPr lang="pt-BR" sz="1100" dirty="0">
+                <a:solidFill>
+                  <a:schemeClr val="bg1"/>
+                </a:solidFill>
+                <a:latin typeface="Google Sans"/>
+              </a:rPr>
+              <a:t>.html</a:t>
+            </a:r>
+          </a:p>
+        </p:txBody>
+      </p:sp>
+      <p:cxnSp>
+        <p:nvCxnSpPr>
+          <p:cNvPr id="61" name="Conector reto 60">
+            <a:extLst>
+              <a:ext uri="{FF2B5EF4-FFF2-40B4-BE49-F238E27FC236}">
+                <a16:creationId xmlns:a16="http://schemas.microsoft.com/office/drawing/2014/main" id="{0A3E54A4-6220-5641-CBD2-3F20379E918F}"/>
+              </a:ext>
+            </a:extLst>
+          </p:cNvPr>
+          <p:cNvCxnSpPr>
+            <a:cxnSpLocks/>
+            <a:endCxn id="63" idx="1"/>
+          </p:cNvCxnSpPr>
+          <p:nvPr/>
+        </p:nvCxnSpPr>
+        <p:spPr>
+          <a:xfrm flipV="1">
+            <a:off x="9488250" y="2509938"/>
+            <a:ext cx="349006" cy="757018"/>
+          </a:xfrm>
+          <a:prstGeom prst="line">
+            <a:avLst/>
+          </a:prstGeom>
+          <a:ln>
+            <a:solidFill>
+              <a:schemeClr val="bg1"/>
+            </a:solidFill>
+          </a:ln>
+        </p:spPr>
+        <p:style>
+          <a:lnRef idx="1">
+            <a:schemeClr val="accent1"/>
+          </a:lnRef>
+          <a:fillRef idx="0">
+            <a:schemeClr val="accent1"/>
+          </a:fillRef>
+          <a:effectRef idx="0">
+            <a:schemeClr val="accent1"/>
+          </a:effectRef>
+          <a:fontRef idx="minor">
+            <a:schemeClr val="tx1"/>
+          </a:fontRef>
+        </p:style>
+      </p:cxnSp>
+      <p:sp>
+        <p:nvSpPr>
+          <p:cNvPr id="63" name="CaixaDeTexto 62">
+            <a:extLst>
+              <a:ext uri="{FF2B5EF4-FFF2-40B4-BE49-F238E27FC236}">
+                <a16:creationId xmlns:a16="http://schemas.microsoft.com/office/drawing/2014/main" id="{E72D3C4B-0F0B-BC9F-4791-0307525A6C43}"/>
+              </a:ext>
+            </a:extLst>
+          </p:cNvPr>
+          <p:cNvSpPr txBox="1"/>
+          <p:nvPr/>
+        </p:nvSpPr>
+        <p:spPr>
+          <a:xfrm>
+            <a:off x="9837256" y="2379133"/>
+            <a:ext cx="1639367" cy="261610"/>
+          </a:xfrm>
+          <a:prstGeom prst="rect">
+            <a:avLst/>
+          </a:prstGeom>
+          <a:noFill/>
+        </p:spPr>
+        <p:txBody>
+          <a:bodyPr wrap="square" rtlCol="0">
+            <a:spAutoFit/>
+          </a:bodyPr>
+          <a:lstStyle/>
+          <a:p>
+            <a:r>
+              <a:rPr lang="pt-BR" sz="1100" b="0" i="0" dirty="0">
+                <a:solidFill>
+                  <a:schemeClr val="bg1"/>
+                </a:solidFill>
+                <a:effectLst/>
+                <a:latin typeface="Google Sans"/>
+              </a:rPr>
+              <a:t>Interfa</a:t>
+            </a:r>
+            <a:r>
+              <a:rPr lang="pt-BR" sz="1100" dirty="0">
+                <a:solidFill>
+                  <a:schemeClr val="bg1"/>
+                </a:solidFill>
+                <a:latin typeface="Google Sans"/>
+              </a:rPr>
+              <a:t>ces-de-audio.html</a:t>
+            </a:r>
           </a:p>
         </p:txBody>
       </p:sp>

--- a/doc/estrutura.pptx
+++ b/doc/estrutura.pptx
@@ -259,7 +259,7 @@
           <a:p>
             <a:fld id="{374776FB-0EF4-4B37-BDE5-59431B157ACE}" type="datetimeFigureOut">
               <a:rPr lang="pt-BR" smtClean="0"/>
-              <a:t>15/04/2024</a:t>
+              <a:t>24/04/2024</a:t>
             </a:fld>
             <a:endParaRPr lang="pt-BR"/>
           </a:p>
@@ -457,7 +457,7 @@
           <a:p>
             <a:fld id="{374776FB-0EF4-4B37-BDE5-59431B157ACE}" type="datetimeFigureOut">
               <a:rPr lang="pt-BR" smtClean="0"/>
-              <a:t>15/04/2024</a:t>
+              <a:t>24/04/2024</a:t>
             </a:fld>
             <a:endParaRPr lang="pt-BR"/>
           </a:p>
@@ -665,7 +665,7 @@
           <a:p>
             <a:fld id="{374776FB-0EF4-4B37-BDE5-59431B157ACE}" type="datetimeFigureOut">
               <a:rPr lang="pt-BR" smtClean="0"/>
-              <a:t>15/04/2024</a:t>
+              <a:t>24/04/2024</a:t>
             </a:fld>
             <a:endParaRPr lang="pt-BR"/>
           </a:p>
@@ -863,7 +863,7 @@
           <a:p>
             <a:fld id="{374776FB-0EF4-4B37-BDE5-59431B157ACE}" type="datetimeFigureOut">
               <a:rPr lang="pt-BR" smtClean="0"/>
-              <a:t>15/04/2024</a:t>
+              <a:t>24/04/2024</a:t>
             </a:fld>
             <a:endParaRPr lang="pt-BR"/>
           </a:p>
@@ -1138,7 +1138,7 @@
           <a:p>
             <a:fld id="{374776FB-0EF4-4B37-BDE5-59431B157ACE}" type="datetimeFigureOut">
               <a:rPr lang="pt-BR" smtClean="0"/>
-              <a:t>15/04/2024</a:t>
+              <a:t>24/04/2024</a:t>
             </a:fld>
             <a:endParaRPr lang="pt-BR"/>
           </a:p>
@@ -1403,7 +1403,7 @@
           <a:p>
             <a:fld id="{374776FB-0EF4-4B37-BDE5-59431B157ACE}" type="datetimeFigureOut">
               <a:rPr lang="pt-BR" smtClean="0"/>
-              <a:t>15/04/2024</a:t>
+              <a:t>24/04/2024</a:t>
             </a:fld>
             <a:endParaRPr lang="pt-BR"/>
           </a:p>
@@ -1815,7 +1815,7 @@
           <a:p>
             <a:fld id="{374776FB-0EF4-4B37-BDE5-59431B157ACE}" type="datetimeFigureOut">
               <a:rPr lang="pt-BR" smtClean="0"/>
-              <a:t>15/04/2024</a:t>
+              <a:t>24/04/2024</a:t>
             </a:fld>
             <a:endParaRPr lang="pt-BR"/>
           </a:p>
@@ -1956,7 +1956,7 @@
           <a:p>
             <a:fld id="{374776FB-0EF4-4B37-BDE5-59431B157ACE}" type="datetimeFigureOut">
               <a:rPr lang="pt-BR" smtClean="0"/>
-              <a:t>15/04/2024</a:t>
+              <a:t>24/04/2024</a:t>
             </a:fld>
             <a:endParaRPr lang="pt-BR"/>
           </a:p>
@@ -2069,7 +2069,7 @@
           <a:p>
             <a:fld id="{374776FB-0EF4-4B37-BDE5-59431B157ACE}" type="datetimeFigureOut">
               <a:rPr lang="pt-BR" smtClean="0"/>
-              <a:t>15/04/2024</a:t>
+              <a:t>24/04/2024</a:t>
             </a:fld>
             <a:endParaRPr lang="pt-BR"/>
           </a:p>
@@ -2380,7 +2380,7 @@
           <a:p>
             <a:fld id="{374776FB-0EF4-4B37-BDE5-59431B157ACE}" type="datetimeFigureOut">
               <a:rPr lang="pt-BR" smtClean="0"/>
-              <a:t>15/04/2024</a:t>
+              <a:t>24/04/2024</a:t>
             </a:fld>
             <a:endParaRPr lang="pt-BR"/>
           </a:p>
@@ -2668,7 +2668,7 @@
           <a:p>
             <a:fld id="{374776FB-0EF4-4B37-BDE5-59431B157ACE}" type="datetimeFigureOut">
               <a:rPr lang="pt-BR" smtClean="0"/>
-              <a:t>15/04/2024</a:t>
+              <a:t>24/04/2024</a:t>
             </a:fld>
             <a:endParaRPr lang="pt-BR"/>
           </a:p>
@@ -2909,7 +2909,7 @@
           <a:p>
             <a:fld id="{374776FB-0EF4-4B37-BDE5-59431B157ACE}" type="datetimeFigureOut">
               <a:rPr lang="pt-BR" smtClean="0"/>
-              <a:t>15/04/2024</a:t>
+              <a:t>24/04/2024</a:t>
             </a:fld>
             <a:endParaRPr lang="pt-BR"/>
           </a:p>
@@ -4424,13 +4424,18 @@
           <a:lstStyle/>
           <a:p>
             <a:r>
-              <a:rPr lang="pt-BR" sz="1400" dirty="0">
+              <a:rPr lang="pt-BR" sz="1400" dirty="0" err="1">
                 <a:solidFill>
                   <a:srgbClr val="E7AE18"/>
                 </a:solidFill>
               </a:rPr>
-              <a:t>equipamentos</a:t>
-            </a:r>
+              <a:t>articles</a:t>
+            </a:r>
+            <a:endParaRPr lang="pt-BR" sz="1400" dirty="0">
+              <a:solidFill>
+                <a:srgbClr val="E7AE18"/>
+              </a:solidFill>
+            </a:endParaRPr>
           </a:p>
         </p:txBody>
       </p:sp>
@@ -4451,8 +4456,8 @@
         </p:nvCxnSpPr>
         <p:spPr>
           <a:xfrm flipV="1">
-            <a:off x="9604438" y="3069599"/>
-            <a:ext cx="253019" cy="307777"/>
+            <a:off x="9084808" y="2747261"/>
+            <a:ext cx="555465" cy="789018"/>
           </a:xfrm>
           <a:prstGeom prst="line">
             <a:avLst/>
@@ -4492,8 +4497,8 @@
         </p:nvSpPr>
         <p:spPr>
           <a:xfrm>
-            <a:off x="9857457" y="2869544"/>
-            <a:ext cx="1639367" cy="400110"/>
+            <a:off x="9640273" y="2616456"/>
+            <a:ext cx="2376642" cy="261610"/>
           </a:xfrm>
           <a:prstGeom prst="rect">
             <a:avLst/>
@@ -4507,17 +4512,17 @@
           <a:lstStyle/>
           <a:p>
             <a:r>
-              <a:rPr lang="pt-BR" sz="2000" b="0" i="0" dirty="0">
+              <a:rPr lang="pt-BR" sz="1100" b="0" i="0" dirty="0">
                 <a:solidFill>
                   <a:schemeClr val="bg1"/>
                 </a:solidFill>
                 <a:effectLst/>
                 <a:latin typeface="Google Sans"/>
               </a:rPr>
-              <a:t>mixers</a:t>
-            </a:r>
-            <a:r>
-              <a:rPr lang="pt-BR" sz="2000" dirty="0">
+              <a:t>equipamentos-para-som-ao-vivo</a:t>
+            </a:r>
+            <a:r>
+              <a:rPr lang="pt-BR" sz="1100" dirty="0">
                 <a:solidFill>
                   <a:schemeClr val="bg1"/>
                 </a:solidFill>
@@ -6032,8 +6037,8 @@
         </p:nvCxnSpPr>
         <p:spPr>
           <a:xfrm flipV="1">
-            <a:off x="9690226" y="3444261"/>
-            <a:ext cx="155142" cy="69250"/>
+            <a:off x="9173942" y="3052074"/>
+            <a:ext cx="683515" cy="519188"/>
           </a:xfrm>
           <a:prstGeom prst="line">
             <a:avLst/>
@@ -6073,8 +6078,8 @@
         </p:nvSpPr>
         <p:spPr>
           <a:xfrm>
-            <a:off x="9845368" y="3313456"/>
-            <a:ext cx="1639367" cy="261610"/>
+            <a:off x="9857457" y="2921269"/>
+            <a:ext cx="1765172" cy="261610"/>
           </a:xfrm>
           <a:prstGeom prst="rect">
             <a:avLst/>
@@ -6094,8 +6099,84 @@
                 </a:solidFill>
                 <a:latin typeface="Google Sans"/>
               </a:rPr>
-              <a:t>t</a:t>
-            </a:r>
+              <a:t>instrumentos-musicais.html</a:t>
+            </a:r>
+          </a:p>
+        </p:txBody>
+      </p:sp>
+      <p:cxnSp>
+        <p:nvCxnSpPr>
+          <p:cNvPr id="61" name="Conector reto 60">
+            <a:extLst>
+              <a:ext uri="{FF2B5EF4-FFF2-40B4-BE49-F238E27FC236}">
+                <a16:creationId xmlns:a16="http://schemas.microsoft.com/office/drawing/2014/main" id="{0A3E54A4-6220-5641-CBD2-3F20379E918F}"/>
+              </a:ext>
+            </a:extLst>
+          </p:cNvPr>
+          <p:cNvCxnSpPr>
+            <a:cxnSpLocks/>
+            <a:stCxn id="18" idx="0"/>
+            <a:endCxn id="63" idx="1"/>
+          </p:cNvCxnSpPr>
+          <p:nvPr/>
+        </p:nvCxnSpPr>
+        <p:spPr>
+          <a:xfrm flipV="1">
+            <a:off x="9065068" y="2509938"/>
+            <a:ext cx="258540" cy="852620"/>
+          </a:xfrm>
+          <a:prstGeom prst="line">
+            <a:avLst/>
+          </a:prstGeom>
+          <a:ln>
+            <a:solidFill>
+              <a:schemeClr val="bg1"/>
+            </a:solidFill>
+          </a:ln>
+        </p:spPr>
+        <p:style>
+          <a:lnRef idx="1">
+            <a:schemeClr val="accent1"/>
+          </a:lnRef>
+          <a:fillRef idx="0">
+            <a:schemeClr val="accent1"/>
+          </a:fillRef>
+          <a:effectRef idx="0">
+            <a:schemeClr val="accent1"/>
+          </a:effectRef>
+          <a:fontRef idx="minor">
+            <a:schemeClr val="tx1"/>
+          </a:fontRef>
+        </p:style>
+      </p:cxnSp>
+      <p:sp>
+        <p:nvSpPr>
+          <p:cNvPr id="63" name="CaixaDeTexto 62">
+            <a:extLst>
+              <a:ext uri="{FF2B5EF4-FFF2-40B4-BE49-F238E27FC236}">
+                <a16:creationId xmlns:a16="http://schemas.microsoft.com/office/drawing/2014/main" id="{E72D3C4B-0F0B-BC9F-4791-0307525A6C43}"/>
+              </a:ext>
+            </a:extLst>
+          </p:cNvPr>
+          <p:cNvSpPr txBox="1"/>
+          <p:nvPr/>
+        </p:nvSpPr>
+        <p:spPr>
+          <a:xfrm>
+            <a:off x="9323608" y="2379133"/>
+            <a:ext cx="2696778" cy="261610"/>
+          </a:xfrm>
+          <a:prstGeom prst="rect">
+            <a:avLst/>
+          </a:prstGeom>
+          <a:noFill/>
+        </p:spPr>
+        <p:txBody>
+          <a:bodyPr wrap="square" rtlCol="0">
+            <a:spAutoFit/>
+          </a:bodyPr>
+          <a:lstStyle/>
+          <a:p>
             <a:r>
               <a:rPr lang="pt-BR" sz="1100" b="0" i="0" dirty="0">
                 <a:solidFill>
@@ -6104,7 +6185,7 @@
                 <a:effectLst/>
                 <a:latin typeface="Google Sans"/>
               </a:rPr>
-              <a:t>ipos-de-teclado</a:t>
+              <a:t>equipamentos-de-gravacao-de-audio</a:t>
             </a:r>
             <a:r>
               <a:rPr lang="pt-BR" sz="1100" dirty="0">
@@ -6118,25 +6199,270 @@
           </a:p>
         </p:txBody>
       </p:sp>
+      <p:pic>
+        <p:nvPicPr>
+          <p:cNvPr id="85" name="Imagem 84" descr="Ícone&#10;&#10;Descrição gerada automaticamente">
+            <a:extLst>
+              <a:ext uri="{FF2B5EF4-FFF2-40B4-BE49-F238E27FC236}">
+                <a16:creationId xmlns:a16="http://schemas.microsoft.com/office/drawing/2014/main" id="{83081C28-3016-7088-72D6-785EF3844797}"/>
+              </a:ext>
+            </a:extLst>
+          </p:cNvPr>
+          <p:cNvPicPr>
+            <a:picLocks noChangeAspect="1"/>
+          </p:cNvPicPr>
+          <p:nvPr/>
+        </p:nvPicPr>
+        <p:blipFill>
+          <a:blip r:embed="rId2">
+            <a:extLst>
+              <a:ext uri="{28A0092B-C50C-407E-A947-70E740481C1C}">
+                <a14:useLocalDpi xmlns:a14="http://schemas.microsoft.com/office/drawing/2010/main" val="0"/>
+              </a:ext>
+            </a:extLst>
+          </a:blip>
+          <a:stretch>
+            <a:fillRect/>
+          </a:stretch>
+        </p:blipFill>
+        <p:spPr>
+          <a:xfrm>
+            <a:off x="9855765" y="3231577"/>
+            <a:ext cx="282913" cy="282913"/>
+          </a:xfrm>
+          <a:prstGeom prst="rect">
+            <a:avLst/>
+          </a:prstGeom>
+        </p:spPr>
+      </p:pic>
+      <p:sp>
+        <p:nvSpPr>
+          <p:cNvPr id="87" name="CaixaDeTexto 86">
+            <a:extLst>
+              <a:ext uri="{FF2B5EF4-FFF2-40B4-BE49-F238E27FC236}">
+                <a16:creationId xmlns:a16="http://schemas.microsoft.com/office/drawing/2014/main" id="{8BE6D099-14C4-AA77-A58E-ADEBC6E52B3A}"/>
+              </a:ext>
+            </a:extLst>
+          </p:cNvPr>
+          <p:cNvSpPr txBox="1"/>
+          <p:nvPr/>
+        </p:nvSpPr>
+        <p:spPr>
+          <a:xfrm>
+            <a:off x="10093507" y="3202527"/>
+            <a:ext cx="1307747" cy="261610"/>
+          </a:xfrm>
+          <a:prstGeom prst="rect">
+            <a:avLst/>
+          </a:prstGeom>
+          <a:noFill/>
+        </p:spPr>
+        <p:txBody>
+          <a:bodyPr wrap="square" rtlCol="0">
+            <a:spAutoFit/>
+          </a:bodyPr>
+          <a:lstStyle/>
+          <a:p>
+            <a:r>
+              <a:rPr lang="pt-BR" sz="1100" dirty="0" err="1">
+                <a:solidFill>
+                  <a:srgbClr val="E7AE18"/>
+                </a:solidFill>
+              </a:rPr>
+              <a:t>gravacao</a:t>
+            </a:r>
+            <a:r>
+              <a:rPr lang="pt-BR" sz="1100" dirty="0">
+                <a:solidFill>
+                  <a:srgbClr val="E7AE18"/>
+                </a:solidFill>
+              </a:rPr>
+              <a:t>-de-</a:t>
+            </a:r>
+            <a:r>
+              <a:rPr lang="pt-BR" sz="1100" dirty="0" err="1">
+                <a:solidFill>
+                  <a:srgbClr val="E7AE18"/>
+                </a:solidFill>
+              </a:rPr>
+              <a:t>audio</a:t>
+            </a:r>
+            <a:endParaRPr lang="pt-BR" sz="1100" dirty="0">
+              <a:solidFill>
+                <a:srgbClr val="E7AE18"/>
+              </a:solidFill>
+            </a:endParaRPr>
+          </a:p>
+        </p:txBody>
+      </p:sp>
+      <p:pic>
+        <p:nvPicPr>
+          <p:cNvPr id="88" name="Imagem 87" descr="Ícone&#10;&#10;Descrição gerada automaticamente">
+            <a:extLst>
+              <a:ext uri="{FF2B5EF4-FFF2-40B4-BE49-F238E27FC236}">
+                <a16:creationId xmlns:a16="http://schemas.microsoft.com/office/drawing/2014/main" id="{4BA453DB-36C0-4D5D-BB08-05BF6A37CB1C}"/>
+              </a:ext>
+            </a:extLst>
+          </p:cNvPr>
+          <p:cNvPicPr>
+            <a:picLocks noChangeAspect="1"/>
+          </p:cNvPicPr>
+          <p:nvPr/>
+        </p:nvPicPr>
+        <p:blipFill>
+          <a:blip r:embed="rId2">
+            <a:extLst>
+              <a:ext uri="{28A0092B-C50C-407E-A947-70E740481C1C}">
+                <a14:useLocalDpi xmlns:a14="http://schemas.microsoft.com/office/drawing/2010/main" val="0"/>
+              </a:ext>
+            </a:extLst>
+          </a:blip>
+          <a:stretch>
+            <a:fillRect/>
+          </a:stretch>
+        </p:blipFill>
+        <p:spPr>
+          <a:xfrm>
+            <a:off x="9867463" y="3492795"/>
+            <a:ext cx="282913" cy="282913"/>
+          </a:xfrm>
+          <a:prstGeom prst="rect">
+            <a:avLst/>
+          </a:prstGeom>
+        </p:spPr>
+      </p:pic>
+      <p:sp>
+        <p:nvSpPr>
+          <p:cNvPr id="89" name="CaixaDeTexto 88">
+            <a:extLst>
+              <a:ext uri="{FF2B5EF4-FFF2-40B4-BE49-F238E27FC236}">
+                <a16:creationId xmlns:a16="http://schemas.microsoft.com/office/drawing/2014/main" id="{30870046-E408-90AC-3496-4B8B64354478}"/>
+              </a:ext>
+            </a:extLst>
+          </p:cNvPr>
+          <p:cNvSpPr txBox="1"/>
+          <p:nvPr/>
+        </p:nvSpPr>
+        <p:spPr>
+          <a:xfrm>
+            <a:off x="10105205" y="3463745"/>
+            <a:ext cx="1307747" cy="261610"/>
+          </a:xfrm>
+          <a:prstGeom prst="rect">
+            <a:avLst/>
+          </a:prstGeom>
+          <a:noFill/>
+        </p:spPr>
+        <p:txBody>
+          <a:bodyPr wrap="square" rtlCol="0">
+            <a:spAutoFit/>
+          </a:bodyPr>
+          <a:lstStyle/>
+          <a:p>
+            <a:r>
+              <a:rPr lang="pt-BR" sz="1100" dirty="0">
+                <a:solidFill>
+                  <a:srgbClr val="E7AE18"/>
+                </a:solidFill>
+              </a:rPr>
+              <a:t>som-ao-vivo</a:t>
+            </a:r>
+          </a:p>
+        </p:txBody>
+      </p:sp>
+      <p:pic>
+        <p:nvPicPr>
+          <p:cNvPr id="90" name="Imagem 89" descr="Ícone&#10;&#10;Descrição gerada automaticamente">
+            <a:extLst>
+              <a:ext uri="{FF2B5EF4-FFF2-40B4-BE49-F238E27FC236}">
+                <a16:creationId xmlns:a16="http://schemas.microsoft.com/office/drawing/2014/main" id="{87EF860E-0A56-866B-2BA0-3F54FC12B268}"/>
+              </a:ext>
+            </a:extLst>
+          </p:cNvPr>
+          <p:cNvPicPr>
+            <a:picLocks noChangeAspect="1"/>
+          </p:cNvPicPr>
+          <p:nvPr/>
+        </p:nvPicPr>
+        <p:blipFill>
+          <a:blip r:embed="rId2">
+            <a:extLst>
+              <a:ext uri="{28A0092B-C50C-407E-A947-70E740481C1C}">
+                <a14:useLocalDpi xmlns:a14="http://schemas.microsoft.com/office/drawing/2010/main" val="0"/>
+              </a:ext>
+            </a:extLst>
+          </a:blip>
+          <a:stretch>
+            <a:fillRect/>
+          </a:stretch>
+        </p:blipFill>
+        <p:spPr>
+          <a:xfrm>
+            <a:off x="9856998" y="3759361"/>
+            <a:ext cx="282913" cy="282913"/>
+          </a:xfrm>
+          <a:prstGeom prst="rect">
+            <a:avLst/>
+          </a:prstGeom>
+        </p:spPr>
+      </p:pic>
+      <p:sp>
+        <p:nvSpPr>
+          <p:cNvPr id="91" name="CaixaDeTexto 90">
+            <a:extLst>
+              <a:ext uri="{FF2B5EF4-FFF2-40B4-BE49-F238E27FC236}">
+                <a16:creationId xmlns:a16="http://schemas.microsoft.com/office/drawing/2014/main" id="{028B8783-DE78-CECB-61CC-2135EB537845}"/>
+              </a:ext>
+            </a:extLst>
+          </p:cNvPr>
+          <p:cNvSpPr txBox="1"/>
+          <p:nvPr/>
+        </p:nvSpPr>
+        <p:spPr>
+          <a:xfrm>
+            <a:off x="10094740" y="3730311"/>
+            <a:ext cx="1551926" cy="261610"/>
+          </a:xfrm>
+          <a:prstGeom prst="rect">
+            <a:avLst/>
+          </a:prstGeom>
+          <a:noFill/>
+        </p:spPr>
+        <p:txBody>
+          <a:bodyPr wrap="square" rtlCol="0">
+            <a:spAutoFit/>
+          </a:bodyPr>
+          <a:lstStyle/>
+          <a:p>
+            <a:r>
+              <a:rPr lang="pt-BR" sz="1100" dirty="0">
+                <a:solidFill>
+                  <a:srgbClr val="E7AE18"/>
+                </a:solidFill>
+              </a:rPr>
+              <a:t>Instrumentos-musicais</a:t>
+            </a:r>
+          </a:p>
+        </p:txBody>
+      </p:sp>
       <p:cxnSp>
         <p:nvCxnSpPr>
-          <p:cNvPr id="61" name="Conector reto 60">
-            <a:extLst>
-              <a:ext uri="{FF2B5EF4-FFF2-40B4-BE49-F238E27FC236}">
-                <a16:creationId xmlns:a16="http://schemas.microsoft.com/office/drawing/2014/main" id="{0A3E54A4-6220-5641-CBD2-3F20379E918F}"/>
+          <p:cNvPr id="92" name="Conector reto 91">
+            <a:extLst>
+              <a:ext uri="{FF2B5EF4-FFF2-40B4-BE49-F238E27FC236}">
+                <a16:creationId xmlns:a16="http://schemas.microsoft.com/office/drawing/2014/main" id="{2EACF62C-6D16-5002-ADE0-6CD9846F440B}"/>
               </a:ext>
             </a:extLst>
           </p:cNvPr>
           <p:cNvCxnSpPr>
             <a:cxnSpLocks/>
-            <a:endCxn id="63" idx="1"/>
           </p:cNvCxnSpPr>
           <p:nvPr/>
         </p:nvCxnSpPr>
         <p:spPr>
           <a:xfrm flipV="1">
-            <a:off x="9488250" y="2509938"/>
-            <a:ext cx="349006" cy="757018"/>
+            <a:off x="9264650" y="3396605"/>
+            <a:ext cx="519429" cy="198444"/>
           </a:xfrm>
           <a:prstGeom prst="line">
             <a:avLst/>
@@ -6162,12 +6488,98 @@
           </a:fontRef>
         </p:style>
       </p:cxnSp>
-      <p:sp>
-        <p:nvSpPr>
-          <p:cNvPr id="63" name="CaixaDeTexto 62">
-            <a:extLst>
-              <a:ext uri="{FF2B5EF4-FFF2-40B4-BE49-F238E27FC236}">
-                <a16:creationId xmlns:a16="http://schemas.microsoft.com/office/drawing/2014/main" id="{E72D3C4B-0F0B-BC9F-4791-0307525A6C43}"/>
+      <p:cxnSp>
+        <p:nvCxnSpPr>
+          <p:cNvPr id="94" name="Conector reto 93">
+            <a:extLst>
+              <a:ext uri="{FF2B5EF4-FFF2-40B4-BE49-F238E27FC236}">
+                <a16:creationId xmlns:a16="http://schemas.microsoft.com/office/drawing/2014/main" id="{00F3A9A5-AD80-DF42-77DF-81618C3142A0}"/>
+              </a:ext>
+            </a:extLst>
+          </p:cNvPr>
+          <p:cNvCxnSpPr>
+            <a:cxnSpLocks/>
+          </p:cNvCxnSpPr>
+          <p:nvPr/>
+        </p:nvCxnSpPr>
+        <p:spPr>
+          <a:xfrm flipV="1">
+            <a:off x="9211309" y="3654515"/>
+            <a:ext cx="621744" cy="5580"/>
+          </a:xfrm>
+          <a:prstGeom prst="line">
+            <a:avLst/>
+          </a:prstGeom>
+          <a:ln>
+            <a:solidFill>
+              <a:schemeClr val="bg1"/>
+            </a:solidFill>
+          </a:ln>
+        </p:spPr>
+        <p:style>
+          <a:lnRef idx="1">
+            <a:schemeClr val="accent1"/>
+          </a:lnRef>
+          <a:fillRef idx="0">
+            <a:schemeClr val="accent1"/>
+          </a:fillRef>
+          <a:effectRef idx="0">
+            <a:schemeClr val="accent1"/>
+          </a:effectRef>
+          <a:fontRef idx="minor">
+            <a:schemeClr val="tx1"/>
+          </a:fontRef>
+        </p:style>
+      </p:cxnSp>
+      <p:cxnSp>
+        <p:nvCxnSpPr>
+          <p:cNvPr id="97" name="Conector reto 96">
+            <a:extLst>
+              <a:ext uri="{FF2B5EF4-FFF2-40B4-BE49-F238E27FC236}">
+                <a16:creationId xmlns:a16="http://schemas.microsoft.com/office/drawing/2014/main" id="{769692EF-77CB-70A0-7D50-2FE944DDEEFC}"/>
+              </a:ext>
+            </a:extLst>
+          </p:cNvPr>
+          <p:cNvCxnSpPr>
+            <a:cxnSpLocks/>
+          </p:cNvCxnSpPr>
+          <p:nvPr/>
+        </p:nvCxnSpPr>
+        <p:spPr>
+          <a:xfrm>
+            <a:off x="9110394" y="3717418"/>
+            <a:ext cx="682014" cy="145105"/>
+          </a:xfrm>
+          <a:prstGeom prst="line">
+            <a:avLst/>
+          </a:prstGeom>
+          <a:ln>
+            <a:solidFill>
+              <a:schemeClr val="bg1"/>
+            </a:solidFill>
+          </a:ln>
+        </p:spPr>
+        <p:style>
+          <a:lnRef idx="1">
+            <a:schemeClr val="accent1"/>
+          </a:lnRef>
+          <a:fillRef idx="0">
+            <a:schemeClr val="accent1"/>
+          </a:fillRef>
+          <a:effectRef idx="0">
+            <a:schemeClr val="accent1"/>
+          </a:effectRef>
+          <a:fontRef idx="minor">
+            <a:schemeClr val="tx1"/>
+          </a:fontRef>
+        </p:style>
+      </p:cxnSp>
+      <p:sp>
+        <p:nvSpPr>
+          <p:cNvPr id="103" name="CaixaDeTexto 102">
+            <a:extLst>
+              <a:ext uri="{FF2B5EF4-FFF2-40B4-BE49-F238E27FC236}">
+                <a16:creationId xmlns:a16="http://schemas.microsoft.com/office/drawing/2014/main" id="{6C02E5E5-C29D-A03E-2921-C85070E2C1BD}"/>
               </a:ext>
             </a:extLst>
           </p:cNvPr>
@@ -6176,8 +6588,8 @@
         </p:nvSpPr>
         <p:spPr>
           <a:xfrm>
-            <a:off x="9837256" y="2379133"/>
-            <a:ext cx="1639367" cy="261610"/>
+            <a:off x="11458915" y="3211182"/>
+            <a:ext cx="2218821" cy="215444"/>
           </a:xfrm>
           <a:prstGeom prst="rect">
             <a:avLst/>
@@ -6191,27 +6603,242 @@
           <a:lstStyle/>
           <a:p>
             <a:r>
-              <a:rPr lang="pt-BR" sz="1100" b="0" i="0" dirty="0">
-                <a:solidFill>
-                  <a:schemeClr val="bg1"/>
-                </a:solidFill>
-                <a:effectLst/>
-                <a:latin typeface="Google Sans"/>
-              </a:rPr>
-              <a:t>Interfa</a:t>
-            </a:r>
-            <a:r>
-              <a:rPr lang="pt-BR" sz="1100" dirty="0">
+              <a:rPr lang="pt-BR" sz="800" dirty="0">
                 <a:solidFill>
                   <a:schemeClr val="bg1"/>
                 </a:solidFill>
                 <a:latin typeface="Google Sans"/>
               </a:rPr>
-              <a:t>ces-de-audio.html</a:t>
-            </a:r>
-          </a:p>
-        </p:txBody>
-      </p:sp>
+              <a:t>artigo1.html</a:t>
+            </a:r>
+            <a:endParaRPr lang="pt-BR" sz="800" dirty="0">
+              <a:solidFill>
+                <a:schemeClr val="bg1"/>
+              </a:solidFill>
+            </a:endParaRPr>
+          </a:p>
+        </p:txBody>
+      </p:sp>
+      <p:cxnSp>
+        <p:nvCxnSpPr>
+          <p:cNvPr id="104" name="Conector reto 103">
+            <a:extLst>
+              <a:ext uri="{FF2B5EF4-FFF2-40B4-BE49-F238E27FC236}">
+                <a16:creationId xmlns:a16="http://schemas.microsoft.com/office/drawing/2014/main" id="{85D70DE4-352F-0BC6-9C50-D7D9ACE42614}"/>
+              </a:ext>
+            </a:extLst>
+          </p:cNvPr>
+          <p:cNvCxnSpPr>
+            <a:cxnSpLocks/>
+          </p:cNvCxnSpPr>
+          <p:nvPr/>
+        </p:nvCxnSpPr>
+        <p:spPr>
+          <a:xfrm flipH="1">
+            <a:off x="11272883" y="3326533"/>
+            <a:ext cx="231618" cy="23872"/>
+          </a:xfrm>
+          <a:prstGeom prst="line">
+            <a:avLst/>
+          </a:prstGeom>
+          <a:ln>
+            <a:solidFill>
+              <a:schemeClr val="bg1"/>
+            </a:solidFill>
+          </a:ln>
+        </p:spPr>
+        <p:style>
+          <a:lnRef idx="1">
+            <a:schemeClr val="accent1"/>
+          </a:lnRef>
+          <a:fillRef idx="0">
+            <a:schemeClr val="accent1"/>
+          </a:fillRef>
+          <a:effectRef idx="0">
+            <a:schemeClr val="accent1"/>
+          </a:effectRef>
+          <a:fontRef idx="minor">
+            <a:schemeClr val="tx1"/>
+          </a:fontRef>
+        </p:style>
+      </p:cxnSp>
+      <p:sp>
+        <p:nvSpPr>
+          <p:cNvPr id="105" name="CaixaDeTexto 104">
+            <a:extLst>
+              <a:ext uri="{FF2B5EF4-FFF2-40B4-BE49-F238E27FC236}">
+                <a16:creationId xmlns:a16="http://schemas.microsoft.com/office/drawing/2014/main" id="{012217B2-08CA-65A2-B4CB-E3C02C884E11}"/>
+              </a:ext>
+            </a:extLst>
+          </p:cNvPr>
+          <p:cNvSpPr txBox="1"/>
+          <p:nvPr/>
+        </p:nvSpPr>
+        <p:spPr>
+          <a:xfrm>
+            <a:off x="11124566" y="3465756"/>
+            <a:ext cx="2218821" cy="215444"/>
+          </a:xfrm>
+          <a:prstGeom prst="rect">
+            <a:avLst/>
+          </a:prstGeom>
+          <a:noFill/>
+        </p:spPr>
+        <p:txBody>
+          <a:bodyPr wrap="square" rtlCol="0">
+            <a:spAutoFit/>
+          </a:bodyPr>
+          <a:lstStyle/>
+          <a:p>
+            <a:r>
+              <a:rPr lang="pt-BR" sz="800" dirty="0">
+                <a:solidFill>
+                  <a:schemeClr val="bg1"/>
+                </a:solidFill>
+                <a:latin typeface="Google Sans"/>
+              </a:rPr>
+              <a:t>artigo1.html</a:t>
+            </a:r>
+            <a:endParaRPr lang="pt-BR" sz="800" dirty="0">
+              <a:solidFill>
+                <a:schemeClr val="bg1"/>
+              </a:solidFill>
+            </a:endParaRPr>
+          </a:p>
+        </p:txBody>
+      </p:sp>
+      <p:cxnSp>
+        <p:nvCxnSpPr>
+          <p:cNvPr id="106" name="Conector reto 105">
+            <a:extLst>
+              <a:ext uri="{FF2B5EF4-FFF2-40B4-BE49-F238E27FC236}">
+                <a16:creationId xmlns:a16="http://schemas.microsoft.com/office/drawing/2014/main" id="{01851079-42EC-1645-00E7-B6AF4FDE3A9A}"/>
+              </a:ext>
+            </a:extLst>
+          </p:cNvPr>
+          <p:cNvCxnSpPr>
+            <a:cxnSpLocks/>
+          </p:cNvCxnSpPr>
+          <p:nvPr/>
+        </p:nvCxnSpPr>
+        <p:spPr>
+          <a:xfrm flipH="1">
+            <a:off x="10938534" y="3581107"/>
+            <a:ext cx="231618" cy="23872"/>
+          </a:xfrm>
+          <a:prstGeom prst="line">
+            <a:avLst/>
+          </a:prstGeom>
+          <a:ln>
+            <a:solidFill>
+              <a:schemeClr val="bg1"/>
+            </a:solidFill>
+          </a:ln>
+        </p:spPr>
+        <p:style>
+          <a:lnRef idx="1">
+            <a:schemeClr val="accent1"/>
+          </a:lnRef>
+          <a:fillRef idx="0">
+            <a:schemeClr val="accent1"/>
+          </a:fillRef>
+          <a:effectRef idx="0">
+            <a:schemeClr val="accent1"/>
+          </a:effectRef>
+          <a:fontRef idx="minor">
+            <a:schemeClr val="tx1"/>
+          </a:fontRef>
+        </p:style>
+      </p:cxnSp>
+      <p:sp>
+        <p:nvSpPr>
+          <p:cNvPr id="107" name="CaixaDeTexto 106">
+            <a:extLst>
+              <a:ext uri="{FF2B5EF4-FFF2-40B4-BE49-F238E27FC236}">
+                <a16:creationId xmlns:a16="http://schemas.microsoft.com/office/drawing/2014/main" id="{4F756DB5-9E59-E7E6-647E-51628964D398}"/>
+              </a:ext>
+            </a:extLst>
+          </p:cNvPr>
+          <p:cNvSpPr txBox="1"/>
+          <p:nvPr/>
+        </p:nvSpPr>
+        <p:spPr>
+          <a:xfrm>
+            <a:off x="11576183" y="3734529"/>
+            <a:ext cx="2218821" cy="215444"/>
+          </a:xfrm>
+          <a:prstGeom prst="rect">
+            <a:avLst/>
+          </a:prstGeom>
+          <a:noFill/>
+        </p:spPr>
+        <p:txBody>
+          <a:bodyPr wrap="square" rtlCol="0">
+            <a:spAutoFit/>
+          </a:bodyPr>
+          <a:lstStyle/>
+          <a:p>
+            <a:r>
+              <a:rPr lang="pt-BR" sz="800" dirty="0">
+                <a:solidFill>
+                  <a:schemeClr val="bg1"/>
+                </a:solidFill>
+                <a:latin typeface="Google Sans"/>
+              </a:rPr>
+              <a:t>artigo1.html</a:t>
+            </a:r>
+            <a:endParaRPr lang="pt-BR" sz="800" dirty="0">
+              <a:solidFill>
+                <a:schemeClr val="bg1"/>
+              </a:solidFill>
+            </a:endParaRPr>
+          </a:p>
+        </p:txBody>
+      </p:sp>
+      <p:cxnSp>
+        <p:nvCxnSpPr>
+          <p:cNvPr id="108" name="Conector reto 107">
+            <a:extLst>
+              <a:ext uri="{FF2B5EF4-FFF2-40B4-BE49-F238E27FC236}">
+                <a16:creationId xmlns:a16="http://schemas.microsoft.com/office/drawing/2014/main" id="{B007BBB4-9421-AFA7-2EC0-0CE38F1B52FE}"/>
+              </a:ext>
+            </a:extLst>
+          </p:cNvPr>
+          <p:cNvCxnSpPr>
+            <a:cxnSpLocks/>
+            <a:stCxn id="91" idx="3"/>
+          </p:cNvCxnSpPr>
+          <p:nvPr/>
+        </p:nvCxnSpPr>
+        <p:spPr>
+          <a:xfrm flipH="1">
+            <a:off x="11505267" y="3861116"/>
+            <a:ext cx="141399" cy="3462"/>
+          </a:xfrm>
+          <a:prstGeom prst="line">
+            <a:avLst/>
+          </a:prstGeom>
+          <a:ln>
+            <a:solidFill>
+              <a:schemeClr val="bg1"/>
+            </a:solidFill>
+          </a:ln>
+        </p:spPr>
+        <p:style>
+          <a:lnRef idx="1">
+            <a:schemeClr val="accent1"/>
+          </a:lnRef>
+          <a:fillRef idx="0">
+            <a:schemeClr val="accent1"/>
+          </a:fillRef>
+          <a:effectRef idx="0">
+            <a:schemeClr val="accent1"/>
+          </a:effectRef>
+          <a:fontRef idx="minor">
+            <a:schemeClr val="tx1"/>
+          </a:fontRef>
+        </p:style>
+      </p:cxnSp>
     </p:spTree>
     <p:extLst>
       <p:ext uri="{BB962C8B-B14F-4D97-AF65-F5344CB8AC3E}">
